--- a/ppt/110061575_presentation.pptx
+++ b/ppt/110061575_presentation.pptx
@@ -280,7 +280,7 @@
           <a:p>
             <a:fld id="{D3999824-B4F4-4E7B-AED6-C5DEB539B74E}" type="datetimeFigureOut">
               <a:rPr lang="zh-TW" altLang="en-US" smtClean="0"/>
-              <a:t>2022/3/28</a:t>
+              <a:t>2022/4/1</a:t>
             </a:fld>
             <a:endParaRPr lang="zh-TW" altLang="en-US"/>
           </a:p>
@@ -478,7 +478,7 @@
           <a:p>
             <a:fld id="{D3999824-B4F4-4E7B-AED6-C5DEB539B74E}" type="datetimeFigureOut">
               <a:rPr lang="zh-TW" altLang="en-US" smtClean="0"/>
-              <a:t>2022/3/28</a:t>
+              <a:t>2022/4/1</a:t>
             </a:fld>
             <a:endParaRPr lang="zh-TW" altLang="en-US"/>
           </a:p>
@@ -686,7 +686,7 @@
           <a:p>
             <a:fld id="{D3999824-B4F4-4E7B-AED6-C5DEB539B74E}" type="datetimeFigureOut">
               <a:rPr lang="zh-TW" altLang="en-US" smtClean="0"/>
-              <a:t>2022/3/28</a:t>
+              <a:t>2022/4/1</a:t>
             </a:fld>
             <a:endParaRPr lang="zh-TW" altLang="en-US"/>
           </a:p>
@@ -884,7 +884,7 @@
           <a:p>
             <a:fld id="{D3999824-B4F4-4E7B-AED6-C5DEB539B74E}" type="datetimeFigureOut">
               <a:rPr lang="zh-TW" altLang="en-US" smtClean="0"/>
-              <a:t>2022/3/28</a:t>
+              <a:t>2022/4/1</a:t>
             </a:fld>
             <a:endParaRPr lang="zh-TW" altLang="en-US"/>
           </a:p>
@@ -1159,7 +1159,7 @@
           <a:p>
             <a:fld id="{D3999824-B4F4-4E7B-AED6-C5DEB539B74E}" type="datetimeFigureOut">
               <a:rPr lang="zh-TW" altLang="en-US" smtClean="0"/>
-              <a:t>2022/3/28</a:t>
+              <a:t>2022/4/1</a:t>
             </a:fld>
             <a:endParaRPr lang="zh-TW" altLang="en-US"/>
           </a:p>
@@ -1424,7 +1424,7 @@
           <a:p>
             <a:fld id="{D3999824-B4F4-4E7B-AED6-C5DEB539B74E}" type="datetimeFigureOut">
               <a:rPr lang="zh-TW" altLang="en-US" smtClean="0"/>
-              <a:t>2022/3/28</a:t>
+              <a:t>2022/4/1</a:t>
             </a:fld>
             <a:endParaRPr lang="zh-TW" altLang="en-US"/>
           </a:p>
@@ -1836,7 +1836,7 @@
           <a:p>
             <a:fld id="{D3999824-B4F4-4E7B-AED6-C5DEB539B74E}" type="datetimeFigureOut">
               <a:rPr lang="zh-TW" altLang="en-US" smtClean="0"/>
-              <a:t>2022/3/28</a:t>
+              <a:t>2022/4/1</a:t>
             </a:fld>
             <a:endParaRPr lang="zh-TW" altLang="en-US"/>
           </a:p>
@@ -1977,7 +1977,7 @@
           <a:p>
             <a:fld id="{D3999824-B4F4-4E7B-AED6-C5DEB539B74E}" type="datetimeFigureOut">
               <a:rPr lang="zh-TW" altLang="en-US" smtClean="0"/>
-              <a:t>2022/3/28</a:t>
+              <a:t>2022/4/1</a:t>
             </a:fld>
             <a:endParaRPr lang="zh-TW" altLang="en-US"/>
           </a:p>
@@ -2090,7 +2090,7 @@
           <a:p>
             <a:fld id="{D3999824-B4F4-4E7B-AED6-C5DEB539B74E}" type="datetimeFigureOut">
               <a:rPr lang="zh-TW" altLang="en-US" smtClean="0"/>
-              <a:t>2022/3/28</a:t>
+              <a:t>2022/4/1</a:t>
             </a:fld>
             <a:endParaRPr lang="zh-TW" altLang="en-US"/>
           </a:p>
@@ -2401,7 +2401,7 @@
           <a:p>
             <a:fld id="{D3999824-B4F4-4E7B-AED6-C5DEB539B74E}" type="datetimeFigureOut">
               <a:rPr lang="zh-TW" altLang="en-US" smtClean="0"/>
-              <a:t>2022/3/28</a:t>
+              <a:t>2022/4/1</a:t>
             </a:fld>
             <a:endParaRPr lang="zh-TW" altLang="en-US"/>
           </a:p>
@@ -2689,7 +2689,7 @@
           <a:p>
             <a:fld id="{D3999824-B4F4-4E7B-AED6-C5DEB539B74E}" type="datetimeFigureOut">
               <a:rPr lang="zh-TW" altLang="en-US" smtClean="0"/>
-              <a:t>2022/3/28</a:t>
+              <a:t>2022/4/1</a:t>
             </a:fld>
             <a:endParaRPr lang="zh-TW" altLang="en-US"/>
           </a:p>
@@ -2930,7 +2930,7 @@
           <a:p>
             <a:fld id="{D3999824-B4F4-4E7B-AED6-C5DEB539B74E}" type="datetimeFigureOut">
               <a:rPr lang="zh-TW" altLang="en-US" smtClean="0"/>
-              <a:t>2022/3/28</a:t>
+              <a:t>2022/4/1</a:t>
             </a:fld>
             <a:endParaRPr lang="zh-TW" altLang="en-US"/>
           </a:p>
@@ -3985,1892 +3985,6 @@
           </a:p>
         </p:txBody>
       </p:sp>
-      <p:graphicFrame>
-        <p:nvGraphicFramePr>
-          <p:cNvPr id="8" name="表格 8">
-            <a:extLst>
-              <a:ext uri="{FF2B5EF4-FFF2-40B4-BE49-F238E27FC236}">
-                <a16:creationId xmlns:a16="http://schemas.microsoft.com/office/drawing/2014/main" id="{01C4718D-9E18-41F7-88A4-5F9758467EC2}"/>
-              </a:ext>
-            </a:extLst>
-          </p:cNvPr>
-          <p:cNvGraphicFramePr>
-            <a:graphicFrameLocks noGrp="1"/>
-          </p:cNvGraphicFramePr>
-          <p:nvPr>
-            <p:extLst>
-              <p:ext uri="{D42A27DB-BD31-4B8C-83A1-F6EECF244321}">
-                <p14:modId xmlns:p14="http://schemas.microsoft.com/office/powerpoint/2010/main" val="1530520901"/>
-              </p:ext>
-            </p:extLst>
-          </p:nvPr>
-        </p:nvGraphicFramePr>
-        <p:xfrm>
-          <a:off x="1050925" y="1484479"/>
-          <a:ext cx="8127999" cy="1112520"/>
-        </p:xfrm>
-        <a:graphic>
-          <a:graphicData uri="http://schemas.openxmlformats.org/drawingml/2006/table">
-            <a:tbl>
-              <a:tblPr firstRow="1" bandRow="1">
-                <a:tableStyleId>{5C22544A-7EE6-4342-B048-85BDC9FD1C3A}</a:tableStyleId>
-              </a:tblPr>
-              <a:tblGrid>
-                <a:gridCol w="903111">
-                  <a:extLst>
-                    <a:ext uri="{9D8B030D-6E8A-4147-A177-3AD203B41FA5}">
-                      <a16:colId xmlns:a16="http://schemas.microsoft.com/office/drawing/2014/main" val="2376314019"/>
-                    </a:ext>
-                  </a:extLst>
-                </a:gridCol>
-                <a:gridCol w="903111">
-                  <a:extLst>
-                    <a:ext uri="{9D8B030D-6E8A-4147-A177-3AD203B41FA5}">
-                      <a16:colId xmlns:a16="http://schemas.microsoft.com/office/drawing/2014/main" val="21104296"/>
-                    </a:ext>
-                  </a:extLst>
-                </a:gridCol>
-                <a:gridCol w="903111">
-                  <a:extLst>
-                    <a:ext uri="{9D8B030D-6E8A-4147-A177-3AD203B41FA5}">
-                      <a16:colId xmlns:a16="http://schemas.microsoft.com/office/drawing/2014/main" val="76546312"/>
-                    </a:ext>
-                  </a:extLst>
-                </a:gridCol>
-                <a:gridCol w="903111">
-                  <a:extLst>
-                    <a:ext uri="{9D8B030D-6E8A-4147-A177-3AD203B41FA5}">
-                      <a16:colId xmlns:a16="http://schemas.microsoft.com/office/drawing/2014/main" val="2665945436"/>
-                    </a:ext>
-                  </a:extLst>
-                </a:gridCol>
-                <a:gridCol w="903111">
-                  <a:extLst>
-                    <a:ext uri="{9D8B030D-6E8A-4147-A177-3AD203B41FA5}">
-                      <a16:colId xmlns:a16="http://schemas.microsoft.com/office/drawing/2014/main" val="1138235696"/>
-                    </a:ext>
-                  </a:extLst>
-                </a:gridCol>
-                <a:gridCol w="903111">
-                  <a:extLst>
-                    <a:ext uri="{9D8B030D-6E8A-4147-A177-3AD203B41FA5}">
-                      <a16:colId xmlns:a16="http://schemas.microsoft.com/office/drawing/2014/main" val="1841409791"/>
-                    </a:ext>
-                  </a:extLst>
-                </a:gridCol>
-                <a:gridCol w="903111">
-                  <a:extLst>
-                    <a:ext uri="{9D8B030D-6E8A-4147-A177-3AD203B41FA5}">
-                      <a16:colId xmlns:a16="http://schemas.microsoft.com/office/drawing/2014/main" val="100522700"/>
-                    </a:ext>
-                  </a:extLst>
-                </a:gridCol>
-                <a:gridCol w="903111">
-                  <a:extLst>
-                    <a:ext uri="{9D8B030D-6E8A-4147-A177-3AD203B41FA5}">
-                      <a16:colId xmlns:a16="http://schemas.microsoft.com/office/drawing/2014/main" val="1264082640"/>
-                    </a:ext>
-                  </a:extLst>
-                </a:gridCol>
-                <a:gridCol w="903111">
-                  <a:extLst>
-                    <a:ext uri="{9D8B030D-6E8A-4147-A177-3AD203B41FA5}">
-                      <a16:colId xmlns:a16="http://schemas.microsoft.com/office/drawing/2014/main" val="2138452667"/>
-                    </a:ext>
-                  </a:extLst>
-                </a:gridCol>
-              </a:tblGrid>
-              <a:tr h="370840">
-                <a:tc>
-                  <a:txBody>
-                    <a:bodyPr/>
-                    <a:lstStyle/>
-                    <a:p>
-                      <a:r>
-                        <a:rPr lang="en-US" altLang="zh-TW" dirty="0">
-                          <a:solidFill>
-                            <a:schemeClr val="tx1"/>
-                          </a:solidFill>
-                        </a:rPr>
-                        <a:t>Cycle 0</a:t>
-                      </a:r>
-                      <a:endParaRPr lang="zh-TW" altLang="en-US" dirty="0">
-                        <a:solidFill>
-                          <a:schemeClr val="tx1"/>
-                        </a:solidFill>
-                      </a:endParaRPr>
-                    </a:p>
-                  </a:txBody>
-                  <a:tcPr>
-                    <a:lnL w="12700" cap="flat" cmpd="sng" algn="ctr">
-                      <a:solidFill>
-                        <a:schemeClr val="tx1"/>
-                      </a:solidFill>
-                      <a:prstDash val="solid"/>
-                      <a:round/>
-                      <a:headEnd type="none" w="med" len="med"/>
-                      <a:tailEnd type="none" w="med" len="med"/>
-                    </a:lnL>
-                    <a:lnR w="12700" cap="flat" cmpd="sng" algn="ctr">
-                      <a:solidFill>
-                        <a:schemeClr val="tx1"/>
-                      </a:solidFill>
-                      <a:prstDash val="solid"/>
-                      <a:round/>
-                      <a:headEnd type="none" w="med" len="med"/>
-                      <a:tailEnd type="none" w="med" len="med"/>
-                    </a:lnR>
-                    <a:lnT w="12700" cap="flat" cmpd="sng" algn="ctr">
-                      <a:solidFill>
-                        <a:schemeClr val="tx1"/>
-                      </a:solidFill>
-                      <a:prstDash val="solid"/>
-                      <a:round/>
-                      <a:headEnd type="none" w="med" len="med"/>
-                      <a:tailEnd type="none" w="med" len="med"/>
-                    </a:lnT>
-                    <a:lnB w="12700" cap="flat" cmpd="sng" algn="ctr">
-                      <a:solidFill>
-                        <a:schemeClr val="tx1"/>
-                      </a:solidFill>
-                      <a:prstDash val="solid"/>
-                      <a:round/>
-                      <a:headEnd type="none" w="med" len="med"/>
-                      <a:tailEnd type="none" w="med" len="med"/>
-                    </a:lnB>
-                    <a:lnTlToBr w="12700" cmpd="sng">
-                      <a:noFill/>
-                      <a:prstDash val="solid"/>
-                    </a:lnTlToBr>
-                    <a:lnBlToTr w="12700" cmpd="sng">
-                      <a:noFill/>
-                      <a:prstDash val="solid"/>
-                    </a:lnBlToTr>
-                    <a:noFill/>
-                  </a:tcPr>
-                </a:tc>
-                <a:tc>
-                  <a:txBody>
-                    <a:bodyPr/>
-                    <a:lstStyle/>
-                    <a:p>
-                      <a:r>
-                        <a:rPr lang="en-US" altLang="zh-TW" dirty="0">
-                          <a:solidFill>
-                            <a:schemeClr val="tx1"/>
-                          </a:solidFill>
-                        </a:rPr>
-                        <a:t>Cycle 1</a:t>
-                      </a:r>
-                      <a:endParaRPr lang="zh-TW" altLang="en-US" dirty="0">
-                        <a:solidFill>
-                          <a:schemeClr val="tx1"/>
-                        </a:solidFill>
-                      </a:endParaRPr>
-                    </a:p>
-                  </a:txBody>
-                  <a:tcPr>
-                    <a:lnL w="12700" cap="flat" cmpd="sng" algn="ctr">
-                      <a:solidFill>
-                        <a:schemeClr val="tx1"/>
-                      </a:solidFill>
-                      <a:prstDash val="solid"/>
-                      <a:round/>
-                      <a:headEnd type="none" w="med" len="med"/>
-                      <a:tailEnd type="none" w="med" len="med"/>
-                    </a:lnL>
-                    <a:lnR w="12700" cap="flat" cmpd="sng" algn="ctr">
-                      <a:solidFill>
-                        <a:schemeClr val="tx1"/>
-                      </a:solidFill>
-                      <a:prstDash val="solid"/>
-                      <a:round/>
-                      <a:headEnd type="none" w="med" len="med"/>
-                      <a:tailEnd type="none" w="med" len="med"/>
-                    </a:lnR>
-                    <a:lnT w="12700" cap="flat" cmpd="sng" algn="ctr">
-                      <a:solidFill>
-                        <a:schemeClr val="tx1"/>
-                      </a:solidFill>
-                      <a:prstDash val="solid"/>
-                      <a:round/>
-                      <a:headEnd type="none" w="med" len="med"/>
-                      <a:tailEnd type="none" w="med" len="med"/>
-                    </a:lnT>
-                    <a:lnB w="12700" cap="flat" cmpd="sng" algn="ctr">
-                      <a:solidFill>
-                        <a:schemeClr val="tx1"/>
-                      </a:solidFill>
-                      <a:prstDash val="solid"/>
-                      <a:round/>
-                      <a:headEnd type="none" w="med" len="med"/>
-                      <a:tailEnd type="none" w="med" len="med"/>
-                    </a:lnB>
-                    <a:lnTlToBr w="12700" cmpd="sng">
-                      <a:noFill/>
-                      <a:prstDash val="solid"/>
-                    </a:lnTlToBr>
-                    <a:lnBlToTr w="12700" cmpd="sng">
-                      <a:noFill/>
-                      <a:prstDash val="solid"/>
-                    </a:lnBlToTr>
-                    <a:noFill/>
-                  </a:tcPr>
-                </a:tc>
-                <a:tc>
-                  <a:txBody>
-                    <a:bodyPr/>
-                    <a:lstStyle/>
-                    <a:p>
-                      <a:r>
-                        <a:rPr lang="en-US" altLang="zh-TW" dirty="0">
-                          <a:solidFill>
-                            <a:schemeClr val="tx1"/>
-                          </a:solidFill>
-                        </a:rPr>
-                        <a:t>Cycle 2</a:t>
-                      </a:r>
-                      <a:endParaRPr lang="zh-TW" altLang="en-US" dirty="0">
-                        <a:solidFill>
-                          <a:schemeClr val="tx1"/>
-                        </a:solidFill>
-                      </a:endParaRPr>
-                    </a:p>
-                  </a:txBody>
-                  <a:tcPr>
-                    <a:lnL w="12700" cap="flat" cmpd="sng" algn="ctr">
-                      <a:solidFill>
-                        <a:schemeClr val="tx1"/>
-                      </a:solidFill>
-                      <a:prstDash val="solid"/>
-                      <a:round/>
-                      <a:headEnd type="none" w="med" len="med"/>
-                      <a:tailEnd type="none" w="med" len="med"/>
-                    </a:lnL>
-                    <a:lnR w="12700" cap="flat" cmpd="sng" algn="ctr">
-                      <a:solidFill>
-                        <a:schemeClr val="tx1"/>
-                      </a:solidFill>
-                      <a:prstDash val="solid"/>
-                      <a:round/>
-                      <a:headEnd type="none" w="med" len="med"/>
-                      <a:tailEnd type="none" w="med" len="med"/>
-                    </a:lnR>
-                    <a:lnT w="12700" cap="flat" cmpd="sng" algn="ctr">
-                      <a:solidFill>
-                        <a:schemeClr val="tx1"/>
-                      </a:solidFill>
-                      <a:prstDash val="solid"/>
-                      <a:round/>
-                      <a:headEnd type="none" w="med" len="med"/>
-                      <a:tailEnd type="none" w="med" len="med"/>
-                    </a:lnT>
-                    <a:lnB w="12700" cap="flat" cmpd="sng" algn="ctr">
-                      <a:solidFill>
-                        <a:schemeClr val="tx1"/>
-                      </a:solidFill>
-                      <a:prstDash val="solid"/>
-                      <a:round/>
-                      <a:headEnd type="none" w="med" len="med"/>
-                      <a:tailEnd type="none" w="med" len="med"/>
-                    </a:lnB>
-                    <a:lnTlToBr w="12700" cmpd="sng">
-                      <a:noFill/>
-                      <a:prstDash val="solid"/>
-                    </a:lnTlToBr>
-                    <a:lnBlToTr w="12700" cmpd="sng">
-                      <a:noFill/>
-                      <a:prstDash val="solid"/>
-                    </a:lnBlToTr>
-                    <a:noFill/>
-                  </a:tcPr>
-                </a:tc>
-                <a:tc>
-                  <a:txBody>
-                    <a:bodyPr/>
-                    <a:lstStyle/>
-                    <a:p>
-                      <a:r>
-                        <a:rPr lang="en-US" altLang="zh-TW" dirty="0">
-                          <a:solidFill>
-                            <a:schemeClr val="tx1"/>
-                          </a:solidFill>
-                        </a:rPr>
-                        <a:t>Cycle 3</a:t>
-                      </a:r>
-                      <a:endParaRPr lang="zh-TW" altLang="en-US" dirty="0">
-                        <a:solidFill>
-                          <a:schemeClr val="tx1"/>
-                        </a:solidFill>
-                      </a:endParaRPr>
-                    </a:p>
-                  </a:txBody>
-                  <a:tcPr>
-                    <a:lnL w="12700" cap="flat" cmpd="sng" algn="ctr">
-                      <a:solidFill>
-                        <a:schemeClr val="tx1"/>
-                      </a:solidFill>
-                      <a:prstDash val="solid"/>
-                      <a:round/>
-                      <a:headEnd type="none" w="med" len="med"/>
-                      <a:tailEnd type="none" w="med" len="med"/>
-                    </a:lnL>
-                    <a:lnR w="12700" cap="flat" cmpd="sng" algn="ctr">
-                      <a:solidFill>
-                        <a:schemeClr val="tx1"/>
-                      </a:solidFill>
-                      <a:prstDash val="solid"/>
-                      <a:round/>
-                      <a:headEnd type="none" w="med" len="med"/>
-                      <a:tailEnd type="none" w="med" len="med"/>
-                    </a:lnR>
-                    <a:lnT w="12700" cap="flat" cmpd="sng" algn="ctr">
-                      <a:solidFill>
-                        <a:schemeClr val="tx1"/>
-                      </a:solidFill>
-                      <a:prstDash val="solid"/>
-                      <a:round/>
-                      <a:headEnd type="none" w="med" len="med"/>
-                      <a:tailEnd type="none" w="med" len="med"/>
-                    </a:lnT>
-                    <a:lnB w="12700" cap="flat" cmpd="sng" algn="ctr">
-                      <a:solidFill>
-                        <a:schemeClr val="tx1"/>
-                      </a:solidFill>
-                      <a:prstDash val="solid"/>
-                      <a:round/>
-                      <a:headEnd type="none" w="med" len="med"/>
-                      <a:tailEnd type="none" w="med" len="med"/>
-                    </a:lnB>
-                    <a:lnTlToBr w="12700" cmpd="sng">
-                      <a:noFill/>
-                      <a:prstDash val="solid"/>
-                    </a:lnTlToBr>
-                    <a:lnBlToTr w="12700" cmpd="sng">
-                      <a:noFill/>
-                      <a:prstDash val="solid"/>
-                    </a:lnBlToTr>
-                    <a:noFill/>
-                  </a:tcPr>
-                </a:tc>
-                <a:tc>
-                  <a:txBody>
-                    <a:bodyPr/>
-                    <a:lstStyle/>
-                    <a:p>
-                      <a:r>
-                        <a:rPr lang="en-US" altLang="zh-TW" dirty="0">
-                          <a:solidFill>
-                            <a:schemeClr val="tx1"/>
-                          </a:solidFill>
-                        </a:rPr>
-                        <a:t>Cycle 4</a:t>
-                      </a:r>
-                      <a:endParaRPr lang="zh-TW" altLang="en-US" dirty="0">
-                        <a:solidFill>
-                          <a:schemeClr val="tx1"/>
-                        </a:solidFill>
-                      </a:endParaRPr>
-                    </a:p>
-                  </a:txBody>
-                  <a:tcPr>
-                    <a:lnL w="12700" cap="flat" cmpd="sng" algn="ctr">
-                      <a:solidFill>
-                        <a:schemeClr val="tx1"/>
-                      </a:solidFill>
-                      <a:prstDash val="solid"/>
-                      <a:round/>
-                      <a:headEnd type="none" w="med" len="med"/>
-                      <a:tailEnd type="none" w="med" len="med"/>
-                    </a:lnL>
-                    <a:lnR w="12700" cap="flat" cmpd="sng" algn="ctr">
-                      <a:solidFill>
-                        <a:schemeClr val="tx1"/>
-                      </a:solidFill>
-                      <a:prstDash val="solid"/>
-                      <a:round/>
-                      <a:headEnd type="none" w="med" len="med"/>
-                      <a:tailEnd type="none" w="med" len="med"/>
-                    </a:lnR>
-                    <a:lnT w="12700" cap="flat" cmpd="sng" algn="ctr">
-                      <a:solidFill>
-                        <a:schemeClr val="tx1"/>
-                      </a:solidFill>
-                      <a:prstDash val="solid"/>
-                      <a:round/>
-                      <a:headEnd type="none" w="med" len="med"/>
-                      <a:tailEnd type="none" w="med" len="med"/>
-                    </a:lnT>
-                    <a:lnB w="12700" cap="flat" cmpd="sng" algn="ctr">
-                      <a:solidFill>
-                        <a:schemeClr val="tx1"/>
-                      </a:solidFill>
-                      <a:prstDash val="solid"/>
-                      <a:round/>
-                      <a:headEnd type="none" w="med" len="med"/>
-                      <a:tailEnd type="none" w="med" len="med"/>
-                    </a:lnB>
-                    <a:lnTlToBr w="12700" cmpd="sng">
-                      <a:noFill/>
-                      <a:prstDash val="solid"/>
-                    </a:lnTlToBr>
-                    <a:lnBlToTr w="12700" cmpd="sng">
-                      <a:noFill/>
-                      <a:prstDash val="solid"/>
-                    </a:lnBlToTr>
-                    <a:noFill/>
-                  </a:tcPr>
-                </a:tc>
-                <a:tc>
-                  <a:txBody>
-                    <a:bodyPr/>
-                    <a:lstStyle/>
-                    <a:p>
-                      <a:r>
-                        <a:rPr lang="en-US" altLang="zh-TW" dirty="0">
-                          <a:solidFill>
-                            <a:schemeClr val="tx1"/>
-                          </a:solidFill>
-                        </a:rPr>
-                        <a:t>Cycle 5</a:t>
-                      </a:r>
-                      <a:endParaRPr lang="zh-TW" altLang="en-US" dirty="0">
-                        <a:solidFill>
-                          <a:schemeClr val="tx1"/>
-                        </a:solidFill>
-                      </a:endParaRPr>
-                    </a:p>
-                  </a:txBody>
-                  <a:tcPr>
-                    <a:lnL w="12700" cap="flat" cmpd="sng" algn="ctr">
-                      <a:solidFill>
-                        <a:schemeClr val="tx1"/>
-                      </a:solidFill>
-                      <a:prstDash val="solid"/>
-                      <a:round/>
-                      <a:headEnd type="none" w="med" len="med"/>
-                      <a:tailEnd type="none" w="med" len="med"/>
-                    </a:lnL>
-                    <a:lnR w="12700" cap="flat" cmpd="sng" algn="ctr">
-                      <a:solidFill>
-                        <a:schemeClr val="tx1"/>
-                      </a:solidFill>
-                      <a:prstDash val="solid"/>
-                      <a:round/>
-                      <a:headEnd type="none" w="med" len="med"/>
-                      <a:tailEnd type="none" w="med" len="med"/>
-                    </a:lnR>
-                    <a:lnT w="12700" cap="flat" cmpd="sng" algn="ctr">
-                      <a:solidFill>
-                        <a:schemeClr val="tx1"/>
-                      </a:solidFill>
-                      <a:prstDash val="solid"/>
-                      <a:round/>
-                      <a:headEnd type="none" w="med" len="med"/>
-                      <a:tailEnd type="none" w="med" len="med"/>
-                    </a:lnT>
-                    <a:lnB w="12700" cap="flat" cmpd="sng" algn="ctr">
-                      <a:solidFill>
-                        <a:schemeClr val="tx1"/>
-                      </a:solidFill>
-                      <a:prstDash val="solid"/>
-                      <a:round/>
-                      <a:headEnd type="none" w="med" len="med"/>
-                      <a:tailEnd type="none" w="med" len="med"/>
-                    </a:lnB>
-                    <a:lnTlToBr w="12700" cmpd="sng">
-                      <a:noFill/>
-                      <a:prstDash val="solid"/>
-                    </a:lnTlToBr>
-                    <a:lnBlToTr w="12700" cmpd="sng">
-                      <a:noFill/>
-                      <a:prstDash val="solid"/>
-                    </a:lnBlToTr>
-                    <a:noFill/>
-                  </a:tcPr>
-                </a:tc>
-                <a:tc>
-                  <a:txBody>
-                    <a:bodyPr/>
-                    <a:lstStyle/>
-                    <a:p>
-                      <a:r>
-                        <a:rPr lang="en-US" altLang="zh-TW">
-                          <a:solidFill>
-                            <a:schemeClr val="tx1"/>
-                          </a:solidFill>
-                        </a:rPr>
-                        <a:t>Cycle 6</a:t>
-                      </a:r>
-                      <a:endParaRPr lang="zh-TW" altLang="en-US" dirty="0">
-                        <a:solidFill>
-                          <a:schemeClr val="tx1"/>
-                        </a:solidFill>
-                      </a:endParaRPr>
-                    </a:p>
-                  </a:txBody>
-                  <a:tcPr>
-                    <a:lnL w="12700" cap="flat" cmpd="sng" algn="ctr">
-                      <a:solidFill>
-                        <a:schemeClr val="tx1"/>
-                      </a:solidFill>
-                      <a:prstDash val="solid"/>
-                      <a:round/>
-                      <a:headEnd type="none" w="med" len="med"/>
-                      <a:tailEnd type="none" w="med" len="med"/>
-                    </a:lnL>
-                    <a:lnR w="12700" cap="flat" cmpd="sng" algn="ctr">
-                      <a:solidFill>
-                        <a:schemeClr val="tx1"/>
-                      </a:solidFill>
-                      <a:prstDash val="solid"/>
-                      <a:round/>
-                      <a:headEnd type="none" w="med" len="med"/>
-                      <a:tailEnd type="none" w="med" len="med"/>
-                    </a:lnR>
-                    <a:lnT w="12700" cap="flat" cmpd="sng" algn="ctr">
-                      <a:solidFill>
-                        <a:schemeClr val="tx1"/>
-                      </a:solidFill>
-                      <a:prstDash val="solid"/>
-                      <a:round/>
-                      <a:headEnd type="none" w="med" len="med"/>
-                      <a:tailEnd type="none" w="med" len="med"/>
-                    </a:lnT>
-                    <a:lnB w="12700" cap="flat" cmpd="sng" algn="ctr">
-                      <a:solidFill>
-                        <a:schemeClr val="tx1"/>
-                      </a:solidFill>
-                      <a:prstDash val="solid"/>
-                      <a:round/>
-                      <a:headEnd type="none" w="med" len="med"/>
-                      <a:tailEnd type="none" w="med" len="med"/>
-                    </a:lnB>
-                    <a:lnTlToBr w="12700" cmpd="sng">
-                      <a:noFill/>
-                      <a:prstDash val="solid"/>
-                    </a:lnTlToBr>
-                    <a:lnBlToTr w="12700" cmpd="sng">
-                      <a:noFill/>
-                      <a:prstDash val="solid"/>
-                    </a:lnBlToTr>
-                    <a:noFill/>
-                  </a:tcPr>
-                </a:tc>
-                <a:tc>
-                  <a:txBody>
-                    <a:bodyPr/>
-                    <a:lstStyle/>
-                    <a:p>
-                      <a:r>
-                        <a:rPr lang="en-US" altLang="zh-TW" dirty="0">
-                          <a:solidFill>
-                            <a:schemeClr val="tx1"/>
-                          </a:solidFill>
-                        </a:rPr>
-                        <a:t>Cycle 7</a:t>
-                      </a:r>
-                      <a:endParaRPr lang="zh-TW" altLang="en-US" dirty="0">
-                        <a:solidFill>
-                          <a:schemeClr val="tx1"/>
-                        </a:solidFill>
-                      </a:endParaRPr>
-                    </a:p>
-                  </a:txBody>
-                  <a:tcPr>
-                    <a:lnL w="12700" cap="flat" cmpd="sng" algn="ctr">
-                      <a:solidFill>
-                        <a:schemeClr val="tx1"/>
-                      </a:solidFill>
-                      <a:prstDash val="solid"/>
-                      <a:round/>
-                      <a:headEnd type="none" w="med" len="med"/>
-                      <a:tailEnd type="none" w="med" len="med"/>
-                    </a:lnL>
-                    <a:lnR w="12700" cap="flat" cmpd="sng" algn="ctr">
-                      <a:solidFill>
-                        <a:schemeClr val="tx1"/>
-                      </a:solidFill>
-                      <a:prstDash val="solid"/>
-                      <a:round/>
-                      <a:headEnd type="none" w="med" len="med"/>
-                      <a:tailEnd type="none" w="med" len="med"/>
-                    </a:lnR>
-                    <a:lnT w="12700" cap="flat" cmpd="sng" algn="ctr">
-                      <a:solidFill>
-                        <a:schemeClr val="tx1"/>
-                      </a:solidFill>
-                      <a:prstDash val="solid"/>
-                      <a:round/>
-                      <a:headEnd type="none" w="med" len="med"/>
-                      <a:tailEnd type="none" w="med" len="med"/>
-                    </a:lnT>
-                    <a:lnB w="12700" cap="flat" cmpd="sng" algn="ctr">
-                      <a:solidFill>
-                        <a:schemeClr val="tx1"/>
-                      </a:solidFill>
-                      <a:prstDash val="solid"/>
-                      <a:round/>
-                      <a:headEnd type="none" w="med" len="med"/>
-                      <a:tailEnd type="none" w="med" len="med"/>
-                    </a:lnB>
-                    <a:lnTlToBr w="12700" cmpd="sng">
-                      <a:noFill/>
-                      <a:prstDash val="solid"/>
-                    </a:lnTlToBr>
-                    <a:lnBlToTr w="12700" cmpd="sng">
-                      <a:noFill/>
-                      <a:prstDash val="solid"/>
-                    </a:lnBlToTr>
-                    <a:noFill/>
-                  </a:tcPr>
-                </a:tc>
-                <a:tc>
-                  <a:txBody>
-                    <a:bodyPr/>
-                    <a:lstStyle/>
-                    <a:p>
-                      <a:r>
-                        <a:rPr lang="en-US" altLang="zh-TW" dirty="0">
-                          <a:solidFill>
-                            <a:schemeClr val="tx1"/>
-                          </a:solidFill>
-                        </a:rPr>
-                        <a:t>Cycle 8</a:t>
-                      </a:r>
-                      <a:endParaRPr lang="zh-TW" altLang="en-US" dirty="0">
-                        <a:solidFill>
-                          <a:schemeClr val="tx1"/>
-                        </a:solidFill>
-                      </a:endParaRPr>
-                    </a:p>
-                  </a:txBody>
-                  <a:tcPr>
-                    <a:lnL w="12700" cap="flat" cmpd="sng" algn="ctr">
-                      <a:solidFill>
-                        <a:schemeClr val="tx1"/>
-                      </a:solidFill>
-                      <a:prstDash val="solid"/>
-                      <a:round/>
-                      <a:headEnd type="none" w="med" len="med"/>
-                      <a:tailEnd type="none" w="med" len="med"/>
-                    </a:lnL>
-                    <a:lnR w="12700" cap="flat" cmpd="sng" algn="ctr">
-                      <a:solidFill>
-                        <a:schemeClr val="tx1"/>
-                      </a:solidFill>
-                      <a:prstDash val="solid"/>
-                      <a:round/>
-                      <a:headEnd type="none" w="med" len="med"/>
-                      <a:tailEnd type="none" w="med" len="med"/>
-                    </a:lnR>
-                    <a:lnT w="12700" cap="flat" cmpd="sng" algn="ctr">
-                      <a:solidFill>
-                        <a:schemeClr val="tx1"/>
-                      </a:solidFill>
-                      <a:prstDash val="solid"/>
-                      <a:round/>
-                      <a:headEnd type="none" w="med" len="med"/>
-                      <a:tailEnd type="none" w="med" len="med"/>
-                    </a:lnT>
-                    <a:lnB w="12700" cap="flat" cmpd="sng" algn="ctr">
-                      <a:solidFill>
-                        <a:schemeClr val="tx1"/>
-                      </a:solidFill>
-                      <a:prstDash val="solid"/>
-                      <a:round/>
-                      <a:headEnd type="none" w="med" len="med"/>
-                      <a:tailEnd type="none" w="med" len="med"/>
-                    </a:lnB>
-                    <a:lnTlToBr w="12700" cmpd="sng">
-                      <a:noFill/>
-                      <a:prstDash val="solid"/>
-                    </a:lnTlToBr>
-                    <a:lnBlToTr w="12700" cmpd="sng">
-                      <a:noFill/>
-                      <a:prstDash val="solid"/>
-                    </a:lnBlToTr>
-                    <a:noFill/>
-                  </a:tcPr>
-                </a:tc>
-                <a:extLst>
-                  <a:ext uri="{0D108BD9-81ED-4DB2-BD59-A6C34878D82A}">
-                    <a16:rowId xmlns:a16="http://schemas.microsoft.com/office/drawing/2014/main" val="3566395190"/>
-                  </a:ext>
-                </a:extLst>
-              </a:tr>
-              <a:tr h="370840">
-                <a:tc>
-                  <a:txBody>
-                    <a:bodyPr/>
-                    <a:lstStyle/>
-                    <a:p>
-                      <a:r>
-                        <a:rPr lang="en-US" altLang="zh-TW" dirty="0"/>
-                        <a:t>Result</a:t>
-                      </a:r>
-                      <a:endParaRPr lang="zh-TW" altLang="en-US" dirty="0"/>
-                    </a:p>
-                  </a:txBody>
-                  <a:tcPr>
-                    <a:lnL w="12700" cap="flat" cmpd="sng" algn="ctr">
-                      <a:solidFill>
-                        <a:schemeClr val="tx1"/>
-                      </a:solidFill>
-                      <a:prstDash val="solid"/>
-                      <a:round/>
-                      <a:headEnd type="none" w="med" len="med"/>
-                      <a:tailEnd type="none" w="med" len="med"/>
-                    </a:lnL>
-                    <a:lnR w="12700" cap="flat" cmpd="sng" algn="ctr">
-                      <a:solidFill>
-                        <a:schemeClr val="tx1"/>
-                      </a:solidFill>
-                      <a:prstDash val="solid"/>
-                      <a:round/>
-                      <a:headEnd type="none" w="med" len="med"/>
-                      <a:tailEnd type="none" w="med" len="med"/>
-                    </a:lnR>
-                    <a:lnT w="12700" cap="flat" cmpd="sng" algn="ctr">
-                      <a:solidFill>
-                        <a:schemeClr val="tx1"/>
-                      </a:solidFill>
-                      <a:prstDash val="solid"/>
-                      <a:round/>
-                      <a:headEnd type="none" w="med" len="med"/>
-                      <a:tailEnd type="none" w="med" len="med"/>
-                    </a:lnT>
-                    <a:lnB w="12700" cap="flat" cmpd="sng" algn="ctr">
-                      <a:solidFill>
-                        <a:schemeClr val="tx1"/>
-                      </a:solidFill>
-                      <a:prstDash val="solid"/>
-                      <a:round/>
-                      <a:headEnd type="none" w="med" len="med"/>
-                      <a:tailEnd type="none" w="med" len="med"/>
-                    </a:lnB>
-                    <a:lnTlToBr w="12700" cmpd="sng">
-                      <a:noFill/>
-                      <a:prstDash val="solid"/>
-                    </a:lnTlToBr>
-                    <a:lnBlToTr w="12700" cmpd="sng">
-                      <a:noFill/>
-                      <a:prstDash val="solid"/>
-                    </a:lnBlToTr>
-                    <a:solidFill>
-                      <a:schemeClr val="bg2">
-                        <a:lumMod val="90000"/>
-                      </a:schemeClr>
-                    </a:solidFill>
-                  </a:tcPr>
-                </a:tc>
-                <a:tc>
-                  <a:txBody>
-                    <a:bodyPr/>
-                    <a:lstStyle/>
-                    <a:p>
-                      <a:r>
-                        <a:rPr lang="en-US" altLang="zh-TW" dirty="0"/>
-                        <a:t>R A[0, 0]</a:t>
-                      </a:r>
-                      <a:endParaRPr lang="zh-TW" altLang="en-US" dirty="0"/>
-                    </a:p>
-                  </a:txBody>
-                  <a:tcPr>
-                    <a:lnL w="12700" cap="flat" cmpd="sng" algn="ctr">
-                      <a:solidFill>
-                        <a:schemeClr val="tx1"/>
-                      </a:solidFill>
-                      <a:prstDash val="solid"/>
-                      <a:round/>
-                      <a:headEnd type="none" w="med" len="med"/>
-                      <a:tailEnd type="none" w="med" len="med"/>
-                    </a:lnL>
-                    <a:lnR w="12700" cap="flat" cmpd="sng" algn="ctr">
-                      <a:solidFill>
-                        <a:schemeClr val="tx1"/>
-                      </a:solidFill>
-                      <a:prstDash val="solid"/>
-                      <a:round/>
-                      <a:headEnd type="none" w="med" len="med"/>
-                      <a:tailEnd type="none" w="med" len="med"/>
-                    </a:lnR>
-                    <a:lnT w="12700" cap="flat" cmpd="sng" algn="ctr">
-                      <a:solidFill>
-                        <a:schemeClr val="tx1"/>
-                      </a:solidFill>
-                      <a:prstDash val="solid"/>
-                      <a:round/>
-                      <a:headEnd type="none" w="med" len="med"/>
-                      <a:tailEnd type="none" w="med" len="med"/>
-                    </a:lnT>
-                    <a:lnB w="12700" cap="flat" cmpd="sng" algn="ctr">
-                      <a:solidFill>
-                        <a:schemeClr val="tx1"/>
-                      </a:solidFill>
-                      <a:prstDash val="solid"/>
-                      <a:round/>
-                      <a:headEnd type="none" w="med" len="med"/>
-                      <a:tailEnd type="none" w="med" len="med"/>
-                    </a:lnB>
-                    <a:lnTlToBr w="12700" cmpd="sng">
-                      <a:noFill/>
-                      <a:prstDash val="solid"/>
-                    </a:lnTlToBr>
-                    <a:lnBlToTr w="12700" cmpd="sng">
-                      <a:noFill/>
-                      <a:prstDash val="solid"/>
-                    </a:lnBlToTr>
-                    <a:solidFill>
-                      <a:schemeClr val="bg2">
-                        <a:lumMod val="90000"/>
-                      </a:schemeClr>
-                    </a:solidFill>
-                  </a:tcPr>
-                </a:tc>
-                <a:tc>
-                  <a:txBody>
-                    <a:bodyPr/>
-                    <a:lstStyle/>
-                    <a:p>
-                      <a:r>
-                        <a:rPr lang="en-US" altLang="zh-TW" dirty="0"/>
-                        <a:t>R B[0, 0]</a:t>
-                      </a:r>
-                      <a:endParaRPr lang="zh-TW" altLang="en-US" dirty="0"/>
-                    </a:p>
-                  </a:txBody>
-                  <a:tcPr>
-                    <a:lnL w="12700" cap="flat" cmpd="sng" algn="ctr">
-                      <a:solidFill>
-                        <a:schemeClr val="tx1"/>
-                      </a:solidFill>
-                      <a:prstDash val="solid"/>
-                      <a:round/>
-                      <a:headEnd type="none" w="med" len="med"/>
-                      <a:tailEnd type="none" w="med" len="med"/>
-                    </a:lnL>
-                    <a:lnR w="12700" cap="flat" cmpd="sng" algn="ctr">
-                      <a:solidFill>
-                        <a:schemeClr val="tx1"/>
-                      </a:solidFill>
-                      <a:prstDash val="solid"/>
-                      <a:round/>
-                      <a:headEnd type="none" w="med" len="med"/>
-                      <a:tailEnd type="none" w="med" len="med"/>
-                    </a:lnR>
-                    <a:lnT w="12700" cap="flat" cmpd="sng" algn="ctr">
-                      <a:solidFill>
-                        <a:schemeClr val="tx1"/>
-                      </a:solidFill>
-                      <a:prstDash val="solid"/>
-                      <a:round/>
-                      <a:headEnd type="none" w="med" len="med"/>
-                      <a:tailEnd type="none" w="med" len="med"/>
-                    </a:lnT>
-                    <a:lnB w="12700" cap="flat" cmpd="sng" algn="ctr">
-                      <a:solidFill>
-                        <a:schemeClr val="tx1"/>
-                      </a:solidFill>
-                      <a:prstDash val="solid"/>
-                      <a:round/>
-                      <a:headEnd type="none" w="med" len="med"/>
-                      <a:tailEnd type="none" w="med" len="med"/>
-                    </a:lnB>
-                    <a:lnTlToBr w="12700" cmpd="sng">
-                      <a:noFill/>
-                      <a:prstDash val="solid"/>
-                    </a:lnTlToBr>
-                    <a:lnBlToTr w="12700" cmpd="sng">
-                      <a:noFill/>
-                      <a:prstDash val="solid"/>
-                    </a:lnBlToTr>
-                    <a:solidFill>
-                      <a:schemeClr val="bg2">
-                        <a:lumMod val="90000"/>
-                      </a:schemeClr>
-                    </a:solidFill>
-                  </a:tcPr>
-                </a:tc>
-                <a:tc>
-                  <a:txBody>
-                    <a:bodyPr/>
-                    <a:lstStyle/>
-                    <a:p>
-                      <a:r>
-                        <a:rPr lang="en-US" altLang="zh-TW" dirty="0"/>
-                        <a:t>*</a:t>
-                      </a:r>
-                      <a:endParaRPr lang="zh-TW" altLang="en-US" dirty="0"/>
-                    </a:p>
-                  </a:txBody>
-                  <a:tcPr>
-                    <a:lnL w="12700" cap="flat" cmpd="sng" algn="ctr">
-                      <a:solidFill>
-                        <a:schemeClr val="tx1"/>
-                      </a:solidFill>
-                      <a:prstDash val="solid"/>
-                      <a:round/>
-                      <a:headEnd type="none" w="med" len="med"/>
-                      <a:tailEnd type="none" w="med" len="med"/>
-                    </a:lnL>
-                    <a:lnR w="12700" cap="flat" cmpd="sng" algn="ctr">
-                      <a:solidFill>
-                        <a:schemeClr val="tx1"/>
-                      </a:solidFill>
-                      <a:prstDash val="solid"/>
-                      <a:round/>
-                      <a:headEnd type="none" w="med" len="med"/>
-                      <a:tailEnd type="none" w="med" len="med"/>
-                    </a:lnR>
-                    <a:lnT w="12700" cap="flat" cmpd="sng" algn="ctr">
-                      <a:solidFill>
-                        <a:schemeClr val="tx1"/>
-                      </a:solidFill>
-                      <a:prstDash val="solid"/>
-                      <a:round/>
-                      <a:headEnd type="none" w="med" len="med"/>
-                      <a:tailEnd type="none" w="med" len="med"/>
-                    </a:lnT>
-                    <a:lnB w="12700" cap="flat" cmpd="sng" algn="ctr">
-                      <a:solidFill>
-                        <a:schemeClr val="tx1"/>
-                      </a:solidFill>
-                      <a:prstDash val="solid"/>
-                      <a:round/>
-                      <a:headEnd type="none" w="med" len="med"/>
-                      <a:tailEnd type="none" w="med" len="med"/>
-                    </a:lnB>
-                    <a:lnTlToBr w="12700" cmpd="sng">
-                      <a:noFill/>
-                      <a:prstDash val="solid"/>
-                    </a:lnTlToBr>
-                    <a:lnBlToTr w="12700" cmpd="sng">
-                      <a:noFill/>
-                      <a:prstDash val="solid"/>
-                    </a:lnBlToTr>
-                    <a:solidFill>
-                      <a:schemeClr val="bg2">
-                        <a:lumMod val="90000"/>
-                      </a:schemeClr>
-                    </a:solidFill>
-                  </a:tcPr>
-                </a:tc>
-                <a:tc>
-                  <a:txBody>
-                    <a:bodyPr/>
-                    <a:lstStyle/>
-                    <a:p>
-                      <a:r>
-                        <a:rPr lang="en-US" altLang="zh-TW" dirty="0"/>
-                        <a:t>W t[0]</a:t>
-                      </a:r>
-                      <a:endParaRPr lang="zh-TW" altLang="en-US" dirty="0"/>
-                    </a:p>
-                  </a:txBody>
-                  <a:tcPr>
-                    <a:lnL w="12700" cap="flat" cmpd="sng" algn="ctr">
-                      <a:solidFill>
-                        <a:schemeClr val="tx1"/>
-                      </a:solidFill>
-                      <a:prstDash val="solid"/>
-                      <a:round/>
-                      <a:headEnd type="none" w="med" len="med"/>
-                      <a:tailEnd type="none" w="med" len="med"/>
-                    </a:lnL>
-                    <a:lnR w="12700" cap="flat" cmpd="sng" algn="ctr">
-                      <a:solidFill>
-                        <a:schemeClr val="tx1"/>
-                      </a:solidFill>
-                      <a:prstDash val="solid"/>
-                      <a:round/>
-                      <a:headEnd type="none" w="med" len="med"/>
-                      <a:tailEnd type="none" w="med" len="med"/>
-                    </a:lnR>
-                    <a:lnT w="12700" cap="flat" cmpd="sng" algn="ctr">
-                      <a:solidFill>
-                        <a:schemeClr val="tx1"/>
-                      </a:solidFill>
-                      <a:prstDash val="solid"/>
-                      <a:round/>
-                      <a:headEnd type="none" w="med" len="med"/>
-                      <a:tailEnd type="none" w="med" len="med"/>
-                    </a:lnT>
-                    <a:lnB w="12700" cap="flat" cmpd="sng" algn="ctr">
-                      <a:solidFill>
-                        <a:schemeClr val="tx1"/>
-                      </a:solidFill>
-                      <a:prstDash val="solid"/>
-                      <a:round/>
-                      <a:headEnd type="none" w="med" len="med"/>
-                      <a:tailEnd type="none" w="med" len="med"/>
-                    </a:lnB>
-                    <a:lnTlToBr w="12700" cmpd="sng">
-                      <a:noFill/>
-                      <a:prstDash val="solid"/>
-                    </a:lnTlToBr>
-                    <a:lnBlToTr w="12700" cmpd="sng">
-                      <a:noFill/>
-                      <a:prstDash val="solid"/>
-                    </a:lnBlToTr>
-                    <a:solidFill>
-                      <a:schemeClr val="bg2">
-                        <a:lumMod val="90000"/>
-                      </a:schemeClr>
-                    </a:solidFill>
-                  </a:tcPr>
-                </a:tc>
-                <a:tc>
-                  <a:txBody>
-                    <a:bodyPr/>
-                    <a:lstStyle/>
-                    <a:p>
-                      <a:endParaRPr lang="zh-TW" altLang="en-US"/>
-                    </a:p>
-                  </a:txBody>
-                  <a:tcPr>
-                    <a:lnL w="12700" cap="flat" cmpd="sng" algn="ctr">
-                      <a:solidFill>
-                        <a:schemeClr val="tx1"/>
-                      </a:solidFill>
-                      <a:prstDash val="solid"/>
-                      <a:round/>
-                      <a:headEnd type="none" w="med" len="med"/>
-                      <a:tailEnd type="none" w="med" len="med"/>
-                    </a:lnL>
-                    <a:lnR w="12700" cap="flat" cmpd="sng" algn="ctr">
-                      <a:solidFill>
-                        <a:schemeClr val="tx1"/>
-                      </a:solidFill>
-                      <a:prstDash val="solid"/>
-                      <a:round/>
-                      <a:headEnd type="none" w="med" len="med"/>
-                      <a:tailEnd type="none" w="med" len="med"/>
-                    </a:lnR>
-                    <a:lnT w="12700" cap="flat" cmpd="sng" algn="ctr">
-                      <a:solidFill>
-                        <a:schemeClr val="tx1"/>
-                      </a:solidFill>
-                      <a:prstDash val="solid"/>
-                      <a:round/>
-                      <a:headEnd type="none" w="med" len="med"/>
-                      <a:tailEnd type="none" w="med" len="med"/>
-                    </a:lnT>
-                    <a:lnB w="12700" cap="flat" cmpd="sng" algn="ctr">
-                      <a:solidFill>
-                        <a:schemeClr val="tx1"/>
-                      </a:solidFill>
-                      <a:prstDash val="solid"/>
-                      <a:round/>
-                      <a:headEnd type="none" w="med" len="med"/>
-                      <a:tailEnd type="none" w="med" len="med"/>
-                    </a:lnB>
-                    <a:lnTlToBr w="12700" cmpd="sng">
-                      <a:noFill/>
-                      <a:prstDash val="solid"/>
-                    </a:lnTlToBr>
-                    <a:lnBlToTr w="12700" cmpd="sng">
-                      <a:noFill/>
-                      <a:prstDash val="solid"/>
-                    </a:lnBlToTr>
-                    <a:noFill/>
-                  </a:tcPr>
-                </a:tc>
-                <a:tc>
-                  <a:txBody>
-                    <a:bodyPr/>
-                    <a:lstStyle/>
-                    <a:p>
-                      <a:endParaRPr lang="zh-TW" altLang="en-US"/>
-                    </a:p>
-                  </a:txBody>
-                  <a:tcPr>
-                    <a:lnL w="12700" cap="flat" cmpd="sng" algn="ctr">
-                      <a:solidFill>
-                        <a:schemeClr val="tx1"/>
-                      </a:solidFill>
-                      <a:prstDash val="solid"/>
-                      <a:round/>
-                      <a:headEnd type="none" w="med" len="med"/>
-                      <a:tailEnd type="none" w="med" len="med"/>
-                    </a:lnL>
-                    <a:lnR w="12700" cap="flat" cmpd="sng" algn="ctr">
-                      <a:solidFill>
-                        <a:schemeClr val="tx1"/>
-                      </a:solidFill>
-                      <a:prstDash val="solid"/>
-                      <a:round/>
-                      <a:headEnd type="none" w="med" len="med"/>
-                      <a:tailEnd type="none" w="med" len="med"/>
-                    </a:lnR>
-                    <a:lnT w="12700" cap="flat" cmpd="sng" algn="ctr">
-                      <a:solidFill>
-                        <a:schemeClr val="tx1"/>
-                      </a:solidFill>
-                      <a:prstDash val="solid"/>
-                      <a:round/>
-                      <a:headEnd type="none" w="med" len="med"/>
-                      <a:tailEnd type="none" w="med" len="med"/>
-                    </a:lnT>
-                    <a:lnB w="12700" cap="flat" cmpd="sng" algn="ctr">
-                      <a:solidFill>
-                        <a:schemeClr val="tx1"/>
-                      </a:solidFill>
-                      <a:prstDash val="solid"/>
-                      <a:round/>
-                      <a:headEnd type="none" w="med" len="med"/>
-                      <a:tailEnd type="none" w="med" len="med"/>
-                    </a:lnB>
-                    <a:lnTlToBr w="12700" cmpd="sng">
-                      <a:noFill/>
-                      <a:prstDash val="solid"/>
-                    </a:lnTlToBr>
-                    <a:lnBlToTr w="12700" cmpd="sng">
-                      <a:noFill/>
-                      <a:prstDash val="solid"/>
-                    </a:lnBlToTr>
-                    <a:noFill/>
-                  </a:tcPr>
-                </a:tc>
-                <a:tc>
-                  <a:txBody>
-                    <a:bodyPr/>
-                    <a:lstStyle/>
-                    <a:p>
-                      <a:endParaRPr lang="zh-TW" altLang="en-US"/>
-                    </a:p>
-                  </a:txBody>
-                  <a:tcPr>
-                    <a:lnL w="12700" cap="flat" cmpd="sng" algn="ctr">
-                      <a:solidFill>
-                        <a:schemeClr val="tx1"/>
-                      </a:solidFill>
-                      <a:prstDash val="solid"/>
-                      <a:round/>
-                      <a:headEnd type="none" w="med" len="med"/>
-                      <a:tailEnd type="none" w="med" len="med"/>
-                    </a:lnL>
-                    <a:lnR w="12700" cap="flat" cmpd="sng" algn="ctr">
-                      <a:solidFill>
-                        <a:schemeClr val="tx1"/>
-                      </a:solidFill>
-                      <a:prstDash val="solid"/>
-                      <a:round/>
-                      <a:headEnd type="none" w="med" len="med"/>
-                      <a:tailEnd type="none" w="med" len="med"/>
-                    </a:lnR>
-                    <a:lnT w="12700" cap="flat" cmpd="sng" algn="ctr">
-                      <a:solidFill>
-                        <a:schemeClr val="tx1"/>
-                      </a:solidFill>
-                      <a:prstDash val="solid"/>
-                      <a:round/>
-                      <a:headEnd type="none" w="med" len="med"/>
-                      <a:tailEnd type="none" w="med" len="med"/>
-                    </a:lnT>
-                    <a:lnB w="12700" cap="flat" cmpd="sng" algn="ctr">
-                      <a:solidFill>
-                        <a:schemeClr val="tx1"/>
-                      </a:solidFill>
-                      <a:prstDash val="solid"/>
-                      <a:round/>
-                      <a:headEnd type="none" w="med" len="med"/>
-                      <a:tailEnd type="none" w="med" len="med"/>
-                    </a:lnB>
-                    <a:lnTlToBr w="12700" cmpd="sng">
-                      <a:noFill/>
-                      <a:prstDash val="solid"/>
-                    </a:lnTlToBr>
-                    <a:lnBlToTr w="12700" cmpd="sng">
-                      <a:noFill/>
-                      <a:prstDash val="solid"/>
-                    </a:lnBlToTr>
-                    <a:noFill/>
-                  </a:tcPr>
-                </a:tc>
-                <a:tc>
-                  <a:txBody>
-                    <a:bodyPr/>
-                    <a:lstStyle/>
-                    <a:p>
-                      <a:endParaRPr lang="zh-TW" altLang="en-US" dirty="0"/>
-                    </a:p>
-                  </a:txBody>
-                  <a:tcPr>
-                    <a:lnL w="12700" cap="flat" cmpd="sng" algn="ctr">
-                      <a:solidFill>
-                        <a:schemeClr val="tx1"/>
-                      </a:solidFill>
-                      <a:prstDash val="solid"/>
-                      <a:round/>
-                      <a:headEnd type="none" w="med" len="med"/>
-                      <a:tailEnd type="none" w="med" len="med"/>
-                    </a:lnL>
-                    <a:lnR w="12700" cap="flat" cmpd="sng" algn="ctr">
-                      <a:solidFill>
-                        <a:schemeClr val="tx1"/>
-                      </a:solidFill>
-                      <a:prstDash val="solid"/>
-                      <a:round/>
-                      <a:headEnd type="none" w="med" len="med"/>
-                      <a:tailEnd type="none" w="med" len="med"/>
-                    </a:lnR>
-                    <a:lnT w="12700" cap="flat" cmpd="sng" algn="ctr">
-                      <a:solidFill>
-                        <a:schemeClr val="tx1"/>
-                      </a:solidFill>
-                      <a:prstDash val="solid"/>
-                      <a:round/>
-                      <a:headEnd type="none" w="med" len="med"/>
-                      <a:tailEnd type="none" w="med" len="med"/>
-                    </a:lnT>
-                    <a:lnB w="12700" cap="flat" cmpd="sng" algn="ctr">
-                      <a:solidFill>
-                        <a:schemeClr val="tx1"/>
-                      </a:solidFill>
-                      <a:prstDash val="solid"/>
-                      <a:round/>
-                      <a:headEnd type="none" w="med" len="med"/>
-                      <a:tailEnd type="none" w="med" len="med"/>
-                    </a:lnB>
-                    <a:lnTlToBr w="12700" cmpd="sng">
-                      <a:noFill/>
-                      <a:prstDash val="solid"/>
-                    </a:lnTlToBr>
-                    <a:lnBlToTr w="12700" cmpd="sng">
-                      <a:noFill/>
-                      <a:prstDash val="solid"/>
-                    </a:lnBlToTr>
-                    <a:noFill/>
-                  </a:tcPr>
-                </a:tc>
-                <a:extLst>
-                  <a:ext uri="{0D108BD9-81ED-4DB2-BD59-A6C34878D82A}">
-                    <a16:rowId xmlns:a16="http://schemas.microsoft.com/office/drawing/2014/main" val="2479194075"/>
-                  </a:ext>
-                </a:extLst>
-              </a:tr>
-              <a:tr h="370840">
-                <a:tc>
-                  <a:txBody>
-                    <a:bodyPr/>
-                    <a:lstStyle/>
-                    <a:p>
-                      <a:endParaRPr lang="zh-TW" altLang="en-US"/>
-                    </a:p>
-                  </a:txBody>
-                  <a:tcPr>
-                    <a:lnL w="12700" cap="flat" cmpd="sng" algn="ctr">
-                      <a:solidFill>
-                        <a:schemeClr val="tx1"/>
-                      </a:solidFill>
-                      <a:prstDash val="solid"/>
-                      <a:round/>
-                      <a:headEnd type="none" w="med" len="med"/>
-                      <a:tailEnd type="none" w="med" len="med"/>
-                    </a:lnL>
-                    <a:lnR w="12700" cap="flat" cmpd="sng" algn="ctr">
-                      <a:solidFill>
-                        <a:schemeClr val="tx1"/>
-                      </a:solidFill>
-                      <a:prstDash val="solid"/>
-                      <a:round/>
-                      <a:headEnd type="none" w="med" len="med"/>
-                      <a:tailEnd type="none" w="med" len="med"/>
-                    </a:lnR>
-                    <a:lnT w="12700" cap="flat" cmpd="sng" algn="ctr">
-                      <a:solidFill>
-                        <a:schemeClr val="tx1"/>
-                      </a:solidFill>
-                      <a:prstDash val="solid"/>
-                      <a:round/>
-                      <a:headEnd type="none" w="med" len="med"/>
-                      <a:tailEnd type="none" w="med" len="med"/>
-                    </a:lnT>
-                    <a:lnB w="12700" cap="flat" cmpd="sng" algn="ctr">
-                      <a:solidFill>
-                        <a:schemeClr val="tx1"/>
-                      </a:solidFill>
-                      <a:prstDash val="solid"/>
-                      <a:round/>
-                      <a:headEnd type="none" w="med" len="med"/>
-                      <a:tailEnd type="none" w="med" len="med"/>
-                    </a:lnB>
-                    <a:lnTlToBr w="12700" cmpd="sng">
-                      <a:noFill/>
-                      <a:prstDash val="solid"/>
-                    </a:lnTlToBr>
-                    <a:lnBlToTr w="12700" cmpd="sng">
-                      <a:noFill/>
-                      <a:prstDash val="solid"/>
-                    </a:lnBlToTr>
-                    <a:noFill/>
-                  </a:tcPr>
-                </a:tc>
-                <a:tc>
-                  <a:txBody>
-                    <a:bodyPr/>
-                    <a:lstStyle/>
-                    <a:p>
-                      <a:r>
-                        <a:rPr lang="en-US" altLang="zh-TW" dirty="0"/>
-                        <a:t>Result</a:t>
-                      </a:r>
-                      <a:endParaRPr lang="zh-TW" altLang="en-US" dirty="0"/>
-                    </a:p>
-                  </a:txBody>
-                  <a:tcPr>
-                    <a:lnL w="12700" cap="flat" cmpd="sng" algn="ctr">
-                      <a:solidFill>
-                        <a:schemeClr val="tx1"/>
-                      </a:solidFill>
-                      <a:prstDash val="solid"/>
-                      <a:round/>
-                      <a:headEnd type="none" w="med" len="med"/>
-                      <a:tailEnd type="none" w="med" len="med"/>
-                    </a:lnL>
-                    <a:lnR w="12700" cap="flat" cmpd="sng" algn="ctr">
-                      <a:solidFill>
-                        <a:schemeClr val="tx1"/>
-                      </a:solidFill>
-                      <a:prstDash val="solid"/>
-                      <a:round/>
-                      <a:headEnd type="none" w="med" len="med"/>
-                      <a:tailEnd type="none" w="med" len="med"/>
-                    </a:lnR>
-                    <a:lnT w="12700" cap="flat" cmpd="sng" algn="ctr">
-                      <a:solidFill>
-                        <a:schemeClr val="tx1"/>
-                      </a:solidFill>
-                      <a:prstDash val="solid"/>
-                      <a:round/>
-                      <a:headEnd type="none" w="med" len="med"/>
-                      <a:tailEnd type="none" w="med" len="med"/>
-                    </a:lnT>
-                    <a:lnB w="12700" cap="flat" cmpd="sng" algn="ctr">
-                      <a:solidFill>
-                        <a:schemeClr val="tx1"/>
-                      </a:solidFill>
-                      <a:prstDash val="solid"/>
-                      <a:round/>
-                      <a:headEnd type="none" w="med" len="med"/>
-                      <a:tailEnd type="none" w="med" len="med"/>
-                    </a:lnB>
-                    <a:lnTlToBr w="12700" cmpd="sng">
-                      <a:noFill/>
-                      <a:prstDash val="solid"/>
-                    </a:lnTlToBr>
-                    <a:lnBlToTr w="12700" cmpd="sng">
-                      <a:noFill/>
-                      <a:prstDash val="solid"/>
-                    </a:lnBlToTr>
-                    <a:solidFill>
-                      <a:schemeClr val="bg2">
-                        <a:lumMod val="90000"/>
-                      </a:schemeClr>
-                    </a:solidFill>
-                  </a:tcPr>
-                </a:tc>
-                <a:tc>
-                  <a:txBody>
-                    <a:bodyPr/>
-                    <a:lstStyle/>
-                    <a:p>
-                      <a:r>
-                        <a:rPr lang="en-US" altLang="zh-TW" dirty="0"/>
-                        <a:t>R A[0, 0]</a:t>
-                      </a:r>
-                      <a:endParaRPr lang="zh-TW" altLang="en-US" dirty="0"/>
-                    </a:p>
-                  </a:txBody>
-                  <a:tcPr>
-                    <a:lnL w="12700" cap="flat" cmpd="sng" algn="ctr">
-                      <a:solidFill>
-                        <a:schemeClr val="tx1"/>
-                      </a:solidFill>
-                      <a:prstDash val="solid"/>
-                      <a:round/>
-                      <a:headEnd type="none" w="med" len="med"/>
-                      <a:tailEnd type="none" w="med" len="med"/>
-                    </a:lnL>
-                    <a:lnR w="12700" cap="flat" cmpd="sng" algn="ctr">
-                      <a:solidFill>
-                        <a:schemeClr val="tx1"/>
-                      </a:solidFill>
-                      <a:prstDash val="solid"/>
-                      <a:round/>
-                      <a:headEnd type="none" w="med" len="med"/>
-                      <a:tailEnd type="none" w="med" len="med"/>
-                    </a:lnR>
-                    <a:lnT w="12700" cap="flat" cmpd="sng" algn="ctr">
-                      <a:solidFill>
-                        <a:schemeClr val="tx1"/>
-                      </a:solidFill>
-                      <a:prstDash val="solid"/>
-                      <a:round/>
-                      <a:headEnd type="none" w="med" len="med"/>
-                      <a:tailEnd type="none" w="med" len="med"/>
-                    </a:lnT>
-                    <a:lnB w="12700" cap="flat" cmpd="sng" algn="ctr">
-                      <a:solidFill>
-                        <a:schemeClr val="tx1"/>
-                      </a:solidFill>
-                      <a:prstDash val="solid"/>
-                      <a:round/>
-                      <a:headEnd type="none" w="med" len="med"/>
-                      <a:tailEnd type="none" w="med" len="med"/>
-                    </a:lnB>
-                    <a:lnTlToBr w="12700" cmpd="sng">
-                      <a:noFill/>
-                      <a:prstDash val="solid"/>
-                    </a:lnTlToBr>
-                    <a:lnBlToTr w="12700" cmpd="sng">
-                      <a:noFill/>
-                      <a:prstDash val="solid"/>
-                    </a:lnBlToTr>
-                    <a:solidFill>
-                      <a:schemeClr val="bg2">
-                        <a:lumMod val="90000"/>
-                      </a:schemeClr>
-                    </a:solidFill>
-                  </a:tcPr>
-                </a:tc>
-                <a:tc>
-                  <a:txBody>
-                    <a:bodyPr/>
-                    <a:lstStyle/>
-                    <a:p>
-                      <a:r>
-                        <a:rPr lang="en-US" altLang="zh-TW" dirty="0">
-                          <a:solidFill>
-                            <a:srgbClr val="FF0000"/>
-                          </a:solidFill>
-                        </a:rPr>
-                        <a:t>R B[0, 1]</a:t>
-                      </a:r>
-                      <a:endParaRPr lang="zh-TW" altLang="en-US" dirty="0">
-                        <a:solidFill>
-                          <a:srgbClr val="FF0000"/>
-                        </a:solidFill>
-                      </a:endParaRPr>
-                    </a:p>
-                  </a:txBody>
-                  <a:tcPr>
-                    <a:lnL w="12700" cap="flat" cmpd="sng" algn="ctr">
-                      <a:solidFill>
-                        <a:schemeClr val="tx1"/>
-                      </a:solidFill>
-                      <a:prstDash val="solid"/>
-                      <a:round/>
-                      <a:headEnd type="none" w="med" len="med"/>
-                      <a:tailEnd type="none" w="med" len="med"/>
-                    </a:lnL>
-                    <a:lnR w="12700" cap="flat" cmpd="sng" algn="ctr">
-                      <a:solidFill>
-                        <a:schemeClr val="tx1"/>
-                      </a:solidFill>
-                      <a:prstDash val="solid"/>
-                      <a:round/>
-                      <a:headEnd type="none" w="med" len="med"/>
-                      <a:tailEnd type="none" w="med" len="med"/>
-                    </a:lnR>
-                    <a:lnT w="12700" cap="flat" cmpd="sng" algn="ctr">
-                      <a:solidFill>
-                        <a:schemeClr val="tx1"/>
-                      </a:solidFill>
-                      <a:prstDash val="solid"/>
-                      <a:round/>
-                      <a:headEnd type="none" w="med" len="med"/>
-                      <a:tailEnd type="none" w="med" len="med"/>
-                    </a:lnT>
-                    <a:lnB w="12700" cap="flat" cmpd="sng" algn="ctr">
-                      <a:solidFill>
-                        <a:schemeClr val="tx1"/>
-                      </a:solidFill>
-                      <a:prstDash val="solid"/>
-                      <a:round/>
-                      <a:headEnd type="none" w="med" len="med"/>
-                      <a:tailEnd type="none" w="med" len="med"/>
-                    </a:lnB>
-                    <a:lnTlToBr w="12700" cmpd="sng">
-                      <a:noFill/>
-                      <a:prstDash val="solid"/>
-                    </a:lnTlToBr>
-                    <a:lnBlToTr w="12700" cmpd="sng">
-                      <a:noFill/>
-                      <a:prstDash val="solid"/>
-                    </a:lnBlToTr>
-                    <a:solidFill>
-                      <a:schemeClr val="bg2">
-                        <a:lumMod val="90000"/>
-                      </a:schemeClr>
-                    </a:solidFill>
-                  </a:tcPr>
-                </a:tc>
-                <a:tc>
-                  <a:txBody>
-                    <a:bodyPr/>
-                    <a:lstStyle/>
-                    <a:p>
-                      <a:r>
-                        <a:rPr lang="en-US" altLang="zh-TW" dirty="0"/>
-                        <a:t>*</a:t>
-                      </a:r>
-                      <a:endParaRPr lang="zh-TW" altLang="en-US" dirty="0"/>
-                    </a:p>
-                  </a:txBody>
-                  <a:tcPr>
-                    <a:lnL w="12700" cap="flat" cmpd="sng" algn="ctr">
-                      <a:solidFill>
-                        <a:schemeClr val="tx1"/>
-                      </a:solidFill>
-                      <a:prstDash val="solid"/>
-                      <a:round/>
-                      <a:headEnd type="none" w="med" len="med"/>
-                      <a:tailEnd type="none" w="med" len="med"/>
-                    </a:lnL>
-                    <a:lnR w="12700" cap="flat" cmpd="sng" algn="ctr">
-                      <a:solidFill>
-                        <a:schemeClr val="tx1"/>
-                      </a:solidFill>
-                      <a:prstDash val="solid"/>
-                      <a:round/>
-                      <a:headEnd type="none" w="med" len="med"/>
-                      <a:tailEnd type="none" w="med" len="med"/>
-                    </a:lnR>
-                    <a:lnT w="12700" cap="flat" cmpd="sng" algn="ctr">
-                      <a:solidFill>
-                        <a:schemeClr val="tx1"/>
-                      </a:solidFill>
-                      <a:prstDash val="solid"/>
-                      <a:round/>
-                      <a:headEnd type="none" w="med" len="med"/>
-                      <a:tailEnd type="none" w="med" len="med"/>
-                    </a:lnT>
-                    <a:lnB w="12700" cap="flat" cmpd="sng" algn="ctr">
-                      <a:solidFill>
-                        <a:schemeClr val="tx1"/>
-                      </a:solidFill>
-                      <a:prstDash val="solid"/>
-                      <a:round/>
-                      <a:headEnd type="none" w="med" len="med"/>
-                      <a:tailEnd type="none" w="med" len="med"/>
-                    </a:lnB>
-                    <a:lnTlToBr w="12700" cmpd="sng">
-                      <a:noFill/>
-                      <a:prstDash val="solid"/>
-                    </a:lnTlToBr>
-                    <a:lnBlToTr w="12700" cmpd="sng">
-                      <a:noFill/>
-                      <a:prstDash val="solid"/>
-                    </a:lnBlToTr>
-                    <a:solidFill>
-                      <a:schemeClr val="bg2">
-                        <a:lumMod val="90000"/>
-                      </a:schemeClr>
-                    </a:solidFill>
-                  </a:tcPr>
-                </a:tc>
-                <a:tc>
-                  <a:txBody>
-                    <a:bodyPr/>
-                    <a:lstStyle/>
-                    <a:p>
-                      <a:r>
-                        <a:rPr lang="en-US" altLang="zh-TW" dirty="0"/>
-                        <a:t>W t[1]</a:t>
-                      </a:r>
-                      <a:endParaRPr lang="zh-TW" altLang="en-US" dirty="0"/>
-                    </a:p>
-                  </a:txBody>
-                  <a:tcPr>
-                    <a:lnL w="12700" cap="flat" cmpd="sng" algn="ctr">
-                      <a:solidFill>
-                        <a:schemeClr val="tx1"/>
-                      </a:solidFill>
-                      <a:prstDash val="solid"/>
-                      <a:round/>
-                      <a:headEnd type="none" w="med" len="med"/>
-                      <a:tailEnd type="none" w="med" len="med"/>
-                    </a:lnL>
-                    <a:lnR w="12700" cap="flat" cmpd="sng" algn="ctr">
-                      <a:solidFill>
-                        <a:schemeClr val="tx1"/>
-                      </a:solidFill>
-                      <a:prstDash val="solid"/>
-                      <a:round/>
-                      <a:headEnd type="none" w="med" len="med"/>
-                      <a:tailEnd type="none" w="med" len="med"/>
-                    </a:lnR>
-                    <a:lnT w="12700" cap="flat" cmpd="sng" algn="ctr">
-                      <a:solidFill>
-                        <a:schemeClr val="tx1"/>
-                      </a:solidFill>
-                      <a:prstDash val="solid"/>
-                      <a:round/>
-                      <a:headEnd type="none" w="med" len="med"/>
-                      <a:tailEnd type="none" w="med" len="med"/>
-                    </a:lnT>
-                    <a:lnB w="12700" cap="flat" cmpd="sng" algn="ctr">
-                      <a:solidFill>
-                        <a:schemeClr val="tx1"/>
-                      </a:solidFill>
-                      <a:prstDash val="solid"/>
-                      <a:round/>
-                      <a:headEnd type="none" w="med" len="med"/>
-                      <a:tailEnd type="none" w="med" len="med"/>
-                    </a:lnB>
-                    <a:lnTlToBr w="12700" cmpd="sng">
-                      <a:noFill/>
-                      <a:prstDash val="solid"/>
-                    </a:lnTlToBr>
-                    <a:lnBlToTr w="12700" cmpd="sng">
-                      <a:noFill/>
-                      <a:prstDash val="solid"/>
-                    </a:lnBlToTr>
-                    <a:solidFill>
-                      <a:schemeClr val="bg2">
-                        <a:lumMod val="90000"/>
-                      </a:schemeClr>
-                    </a:solidFill>
-                  </a:tcPr>
-                </a:tc>
-                <a:tc>
-                  <a:txBody>
-                    <a:bodyPr/>
-                    <a:lstStyle/>
-                    <a:p>
-                      <a:endParaRPr lang="zh-TW" altLang="en-US" dirty="0"/>
-                    </a:p>
-                  </a:txBody>
-                  <a:tcPr>
-                    <a:lnL w="12700" cap="flat" cmpd="sng" algn="ctr">
-                      <a:solidFill>
-                        <a:schemeClr val="tx1"/>
-                      </a:solidFill>
-                      <a:prstDash val="solid"/>
-                      <a:round/>
-                      <a:headEnd type="none" w="med" len="med"/>
-                      <a:tailEnd type="none" w="med" len="med"/>
-                    </a:lnL>
-                    <a:lnR w="12700" cap="flat" cmpd="sng" algn="ctr">
-                      <a:solidFill>
-                        <a:schemeClr val="tx1"/>
-                      </a:solidFill>
-                      <a:prstDash val="solid"/>
-                      <a:round/>
-                      <a:headEnd type="none" w="med" len="med"/>
-                      <a:tailEnd type="none" w="med" len="med"/>
-                    </a:lnR>
-                    <a:lnT w="12700" cap="flat" cmpd="sng" algn="ctr">
-                      <a:solidFill>
-                        <a:schemeClr val="tx1"/>
-                      </a:solidFill>
-                      <a:prstDash val="solid"/>
-                      <a:round/>
-                      <a:headEnd type="none" w="med" len="med"/>
-                      <a:tailEnd type="none" w="med" len="med"/>
-                    </a:lnT>
-                    <a:lnB w="12700" cap="flat" cmpd="sng" algn="ctr">
-                      <a:solidFill>
-                        <a:schemeClr val="tx1"/>
-                      </a:solidFill>
-                      <a:prstDash val="solid"/>
-                      <a:round/>
-                      <a:headEnd type="none" w="med" len="med"/>
-                      <a:tailEnd type="none" w="med" len="med"/>
-                    </a:lnB>
-                    <a:lnTlToBr w="12700" cmpd="sng">
-                      <a:noFill/>
-                      <a:prstDash val="solid"/>
-                    </a:lnTlToBr>
-                    <a:lnBlToTr w="12700" cmpd="sng">
-                      <a:noFill/>
-                      <a:prstDash val="solid"/>
-                    </a:lnBlToTr>
-                    <a:noFill/>
-                  </a:tcPr>
-                </a:tc>
-                <a:tc>
-                  <a:txBody>
-                    <a:bodyPr/>
-                    <a:lstStyle/>
-                    <a:p>
-                      <a:endParaRPr lang="zh-TW" altLang="en-US" dirty="0">
-                        <a:solidFill>
-                          <a:srgbClr val="FF0000"/>
-                        </a:solidFill>
-                      </a:endParaRPr>
-                    </a:p>
-                  </a:txBody>
-                  <a:tcPr>
-                    <a:lnL w="12700" cap="flat" cmpd="sng" algn="ctr">
-                      <a:solidFill>
-                        <a:schemeClr val="tx1"/>
-                      </a:solidFill>
-                      <a:prstDash val="solid"/>
-                      <a:round/>
-                      <a:headEnd type="none" w="med" len="med"/>
-                      <a:tailEnd type="none" w="med" len="med"/>
-                    </a:lnL>
-                    <a:lnR w="12700" cap="flat" cmpd="sng" algn="ctr">
-                      <a:solidFill>
-                        <a:schemeClr val="tx1"/>
-                      </a:solidFill>
-                      <a:prstDash val="solid"/>
-                      <a:round/>
-                      <a:headEnd type="none" w="med" len="med"/>
-                      <a:tailEnd type="none" w="med" len="med"/>
-                    </a:lnR>
-                    <a:lnT w="12700" cap="flat" cmpd="sng" algn="ctr">
-                      <a:solidFill>
-                        <a:schemeClr val="tx1"/>
-                      </a:solidFill>
-                      <a:prstDash val="solid"/>
-                      <a:round/>
-                      <a:headEnd type="none" w="med" len="med"/>
-                      <a:tailEnd type="none" w="med" len="med"/>
-                    </a:lnT>
-                    <a:lnB w="12700" cap="flat" cmpd="sng" algn="ctr">
-                      <a:solidFill>
-                        <a:schemeClr val="tx1"/>
-                      </a:solidFill>
-                      <a:prstDash val="solid"/>
-                      <a:round/>
-                      <a:headEnd type="none" w="med" len="med"/>
-                      <a:tailEnd type="none" w="med" len="med"/>
-                    </a:lnB>
-                    <a:lnTlToBr w="12700" cmpd="sng">
-                      <a:noFill/>
-                      <a:prstDash val="solid"/>
-                    </a:lnTlToBr>
-                    <a:lnBlToTr w="12700" cmpd="sng">
-                      <a:noFill/>
-                      <a:prstDash val="solid"/>
-                    </a:lnBlToTr>
-                    <a:noFill/>
-                  </a:tcPr>
-                </a:tc>
-                <a:tc>
-                  <a:txBody>
-                    <a:bodyPr/>
-                    <a:lstStyle/>
-                    <a:p>
-                      <a:endParaRPr lang="zh-TW" altLang="en-US" dirty="0"/>
-                    </a:p>
-                  </a:txBody>
-                  <a:tcPr>
-                    <a:lnL w="12700" cap="flat" cmpd="sng" algn="ctr">
-                      <a:solidFill>
-                        <a:schemeClr val="tx1"/>
-                      </a:solidFill>
-                      <a:prstDash val="solid"/>
-                      <a:round/>
-                      <a:headEnd type="none" w="med" len="med"/>
-                      <a:tailEnd type="none" w="med" len="med"/>
-                    </a:lnL>
-                    <a:lnR w="12700" cap="flat" cmpd="sng" algn="ctr">
-                      <a:solidFill>
-                        <a:schemeClr val="tx1"/>
-                      </a:solidFill>
-                      <a:prstDash val="solid"/>
-                      <a:round/>
-                      <a:headEnd type="none" w="med" len="med"/>
-                      <a:tailEnd type="none" w="med" len="med"/>
-                    </a:lnR>
-                    <a:lnT w="12700" cap="flat" cmpd="sng" algn="ctr">
-                      <a:solidFill>
-                        <a:schemeClr val="tx1"/>
-                      </a:solidFill>
-                      <a:prstDash val="solid"/>
-                      <a:round/>
-                      <a:headEnd type="none" w="med" len="med"/>
-                      <a:tailEnd type="none" w="med" len="med"/>
-                    </a:lnT>
-                    <a:lnB w="12700" cap="flat" cmpd="sng" algn="ctr">
-                      <a:solidFill>
-                        <a:schemeClr val="tx1"/>
-                      </a:solidFill>
-                      <a:prstDash val="solid"/>
-                      <a:round/>
-                      <a:headEnd type="none" w="med" len="med"/>
-                      <a:tailEnd type="none" w="med" len="med"/>
-                    </a:lnB>
-                    <a:lnTlToBr w="12700" cmpd="sng">
-                      <a:noFill/>
-                      <a:prstDash val="solid"/>
-                    </a:lnTlToBr>
-                    <a:lnBlToTr w="12700" cmpd="sng">
-                      <a:noFill/>
-                      <a:prstDash val="solid"/>
-                    </a:lnBlToTr>
-                    <a:noFill/>
-                  </a:tcPr>
-                </a:tc>
-                <a:extLst>
-                  <a:ext uri="{0D108BD9-81ED-4DB2-BD59-A6C34878D82A}">
-                    <a16:rowId xmlns:a16="http://schemas.microsoft.com/office/drawing/2014/main" val="4167768605"/>
-                  </a:ext>
-                </a:extLst>
-              </a:tr>
-            </a:tbl>
-          </a:graphicData>
-        </a:graphic>
-      </p:graphicFrame>
-      <p:sp>
-        <p:nvSpPr>
-          <p:cNvPr id="13" name="文字方塊 12">
-            <a:extLst>
-              <a:ext uri="{FF2B5EF4-FFF2-40B4-BE49-F238E27FC236}">
-                <a16:creationId xmlns:a16="http://schemas.microsoft.com/office/drawing/2014/main" id="{E55E2D78-DCCA-43A6-8CDB-FEBE5D9125E6}"/>
-              </a:ext>
-            </a:extLst>
-          </p:cNvPr>
-          <p:cNvSpPr txBox="1"/>
-          <p:nvPr/>
-        </p:nvSpPr>
-        <p:spPr>
-          <a:xfrm>
-            <a:off x="9796727" y="1309996"/>
-            <a:ext cx="1736373" cy="1077218"/>
-          </a:xfrm>
-          <a:prstGeom prst="rect">
-            <a:avLst/>
-          </a:prstGeom>
-          <a:noFill/>
-        </p:spPr>
-        <p:txBody>
-          <a:bodyPr wrap="none" rtlCol="0">
-            <a:spAutoFit/>
-          </a:bodyPr>
-          <a:lstStyle/>
-          <a:p>
-            <a:r>
-              <a:rPr lang="en-US" altLang="zh-TW" sz="3200" dirty="0">
-                <a:solidFill>
-                  <a:srgbClr val="FF0000"/>
-                </a:solidFill>
-              </a:rPr>
-              <a:t>Cache hit</a:t>
-            </a:r>
-          </a:p>
-          <a:p>
-            <a:r>
-              <a:rPr lang="en-US" altLang="zh-TW" sz="3200" dirty="0">
-                <a:solidFill>
-                  <a:srgbClr val="FF0000"/>
-                </a:solidFill>
-              </a:rPr>
-              <a:t>II = 1</a:t>
-            </a:r>
-            <a:endParaRPr lang="zh-TW" altLang="en-US" sz="3200" dirty="0">
-              <a:solidFill>
-                <a:srgbClr val="FF0000"/>
-              </a:solidFill>
-            </a:endParaRPr>
-          </a:p>
-        </p:txBody>
-      </p:sp>
       <p:sp>
         <p:nvSpPr>
           <p:cNvPr id="16" name="文字方塊 15">
@@ -5885,7 +3999,7 @@
         </p:nvSpPr>
         <p:spPr>
           <a:xfrm>
-            <a:off x="1050925" y="2685894"/>
+            <a:off x="1078085" y="1531501"/>
             <a:ext cx="5807987" cy="3323987"/>
           </a:xfrm>
           <a:prstGeom prst="rect">
@@ -6893,34 +5007,30 @@
           </a:p>
         </p:txBody>
       </p:sp>
-      <p:cxnSp>
-        <p:nvCxnSpPr>
-          <p:cNvPr id="7" name="直線單箭頭接點 6">
+      <p:sp>
+        <p:nvSpPr>
+          <p:cNvPr id="14" name="右中括弧 13">
             <a:extLst>
               <a:ext uri="{FF2B5EF4-FFF2-40B4-BE49-F238E27FC236}">
-                <a16:creationId xmlns:a16="http://schemas.microsoft.com/office/drawing/2014/main" id="{574A0B0D-D2A4-4D28-AA63-283611F77B62}"/>
+                <a16:creationId xmlns:a16="http://schemas.microsoft.com/office/drawing/2014/main" id="{A731B707-AF08-41C2-94A7-7D967DAF06A7}"/>
               </a:ext>
             </a:extLst>
           </p:cNvPr>
-          <p:cNvCxnSpPr>
-            <a:cxnSpLocks/>
-          </p:cNvCxnSpPr>
+          <p:cNvSpPr/>
           <p:nvPr/>
-        </p:nvCxnSpPr>
+        </p:nvSpPr>
         <p:spPr>
-          <a:xfrm flipV="1">
-            <a:off x="4591050" y="1733550"/>
-            <a:ext cx="5041813" cy="539659"/>
+          <a:xfrm>
+            <a:off x="6574978" y="2905568"/>
+            <a:ext cx="408372" cy="1526959"/>
           </a:xfrm>
-          <a:prstGeom prst="straightConnector1">
+          <a:prstGeom prst="rightBracket">
             <a:avLst/>
           </a:prstGeom>
-          <a:ln w="57150">
+          <a:ln w="76200">
             <a:solidFill>
               <a:srgbClr val="FF0000"/>
             </a:solidFill>
-            <a:headEnd type="none" w="med" len="med"/>
-            <a:tailEnd type="arrow" w="med" len="med"/>
           </a:ln>
         </p:spPr>
         <p:style>
@@ -6937,7 +5047,331 @@
             <a:schemeClr val="tx1"/>
           </a:fontRef>
         </p:style>
-      </p:cxnSp>
+        <p:txBody>
+          <a:bodyPr rtlCol="0" anchor="ctr"/>
+          <a:lstStyle/>
+          <a:p>
+            <a:pPr algn="ctr"/>
+            <a:endParaRPr lang="zh-TW" altLang="en-US"/>
+          </a:p>
+        </p:txBody>
+      </p:sp>
+      <p:sp>
+        <p:nvSpPr>
+          <p:cNvPr id="15" name="文字方塊 14">
+            <a:extLst>
+              <a:ext uri="{FF2B5EF4-FFF2-40B4-BE49-F238E27FC236}">
+                <a16:creationId xmlns:a16="http://schemas.microsoft.com/office/drawing/2014/main" id="{2B47679E-44C4-4062-9940-309C30F24919}"/>
+              </a:ext>
+            </a:extLst>
+          </p:cNvPr>
+          <p:cNvSpPr txBox="1"/>
+          <p:nvPr/>
+        </p:nvSpPr>
+        <p:spPr>
+          <a:xfrm>
+            <a:off x="7073883" y="2929711"/>
+            <a:ext cx="4519801" cy="1477328"/>
+          </a:xfrm>
+          <a:prstGeom prst="rect">
+            <a:avLst/>
+          </a:prstGeom>
+          <a:noFill/>
+        </p:spPr>
+        <p:txBody>
+          <a:bodyPr wrap="square" rtlCol="0">
+            <a:spAutoFit/>
+          </a:bodyPr>
+          <a:lstStyle/>
+          <a:p>
+            <a:r>
+              <a:rPr lang="zh-TW" altLang="en-US" dirty="0">
+                <a:solidFill>
+                  <a:srgbClr val="FF0000"/>
+                </a:solidFill>
+                <a:latin typeface="Arial" panose="020B0604020202020204" pitchFamily="34" charset="0"/>
+                <a:ea typeface="標楷體" panose="03000509000000000000" pitchFamily="65" charset="-120"/>
+                <a:cs typeface="Arial" panose="020B0604020202020204" pitchFamily="34" charset="0"/>
+              </a:rPr>
+              <a:t>在每一次</a:t>
+            </a:r>
+            <a:r>
+              <a:rPr lang="en-US" altLang="zh-TW" dirty="0">
+                <a:solidFill>
+                  <a:srgbClr val="FF0000"/>
+                </a:solidFill>
+                <a:latin typeface="Arial" panose="020B0604020202020204" pitchFamily="34" charset="0"/>
+                <a:ea typeface="標楷體" panose="03000509000000000000" pitchFamily="65" charset="-120"/>
+                <a:cs typeface="Arial" panose="020B0604020202020204" pitchFamily="34" charset="0"/>
+              </a:rPr>
+              <a:t>j</a:t>
+            </a:r>
+            <a:r>
+              <a:rPr lang="zh-TW" altLang="en-US" dirty="0">
+                <a:solidFill>
+                  <a:srgbClr val="FF0000"/>
+                </a:solidFill>
+                <a:latin typeface="Arial" panose="020B0604020202020204" pitchFamily="34" charset="0"/>
+                <a:ea typeface="標楷體" panose="03000509000000000000" pitchFamily="65" charset="-120"/>
+                <a:cs typeface="Arial" panose="020B0604020202020204" pitchFamily="34" charset="0"/>
+              </a:rPr>
+              <a:t>變動的時候，</a:t>
+            </a:r>
+            <a:r>
+              <a:rPr lang="en-US" altLang="zh-TW" dirty="0">
+                <a:solidFill>
+                  <a:srgbClr val="FF0000"/>
+                </a:solidFill>
+                <a:latin typeface="Arial" panose="020B0604020202020204" pitchFamily="34" charset="0"/>
+                <a:ea typeface="標楷體" panose="03000509000000000000" pitchFamily="65" charset="-120"/>
+                <a:cs typeface="Arial" panose="020B0604020202020204" pitchFamily="34" charset="0"/>
+              </a:rPr>
+              <a:t>result</a:t>
+            </a:r>
+            <a:r>
+              <a:rPr lang="zh-TW" altLang="en-US" dirty="0">
+                <a:solidFill>
+                  <a:srgbClr val="FF0000"/>
+                </a:solidFill>
+                <a:latin typeface="Arial" panose="020B0604020202020204" pitchFamily="34" charset="0"/>
+                <a:ea typeface="標楷體" panose="03000509000000000000" pitchFamily="65" charset="-120"/>
+                <a:cs typeface="Arial" panose="020B0604020202020204" pitchFamily="34" charset="0"/>
+              </a:rPr>
+              <a:t>會依序存到</a:t>
+            </a:r>
+            <a:r>
+              <a:rPr lang="en-US" altLang="zh-TW" dirty="0" err="1">
+                <a:solidFill>
+                  <a:srgbClr val="FF0000"/>
+                </a:solidFill>
+                <a:latin typeface="Arial" panose="020B0604020202020204" pitchFamily="34" charset="0"/>
+                <a:ea typeface="標楷體" panose="03000509000000000000" pitchFamily="65" charset="-120"/>
+                <a:cs typeface="Arial" panose="020B0604020202020204" pitchFamily="34" charset="0"/>
+              </a:rPr>
+              <a:t>temp_sum</a:t>
+            </a:r>
+            <a:r>
+              <a:rPr lang="en-US" altLang="zh-TW" dirty="0">
+                <a:solidFill>
+                  <a:srgbClr val="FF0000"/>
+                </a:solidFill>
+                <a:latin typeface="Arial" panose="020B0604020202020204" pitchFamily="34" charset="0"/>
+                <a:ea typeface="標楷體" panose="03000509000000000000" pitchFamily="65" charset="-120"/>
+                <a:cs typeface="Arial" panose="020B0604020202020204" pitchFamily="34" charset="0"/>
+              </a:rPr>
+              <a:t>[j]</a:t>
+            </a:r>
+            <a:r>
+              <a:rPr lang="zh-TW" altLang="en-US" dirty="0">
+                <a:solidFill>
+                  <a:srgbClr val="FF0000"/>
+                </a:solidFill>
+                <a:latin typeface="Arial" panose="020B0604020202020204" pitchFamily="34" charset="0"/>
+                <a:ea typeface="標楷體" panose="03000509000000000000" pitchFamily="65" charset="-120"/>
+                <a:cs typeface="Arial" panose="020B0604020202020204" pitchFamily="34" charset="0"/>
+              </a:rPr>
+              <a:t>，</a:t>
+            </a:r>
+            <a:r>
+              <a:rPr lang="en-US" altLang="zh-TW" dirty="0">
+                <a:solidFill>
+                  <a:srgbClr val="FF0000"/>
+                </a:solidFill>
+                <a:latin typeface="Arial" panose="020B0604020202020204" pitchFamily="34" charset="0"/>
+                <a:ea typeface="標楷體" panose="03000509000000000000" pitchFamily="65" charset="-120"/>
+                <a:cs typeface="Arial" panose="020B0604020202020204" pitchFamily="34" charset="0"/>
+              </a:rPr>
+              <a:t>iteration</a:t>
+            </a:r>
+            <a:r>
+              <a:rPr lang="zh-TW" altLang="en-US" dirty="0">
+                <a:solidFill>
+                  <a:srgbClr val="FF0000"/>
+                </a:solidFill>
+                <a:latin typeface="Arial" panose="020B0604020202020204" pitchFamily="34" charset="0"/>
+                <a:ea typeface="標楷體" panose="03000509000000000000" pitchFamily="65" charset="-120"/>
+                <a:cs typeface="Arial" panose="020B0604020202020204" pitchFamily="34" charset="0"/>
+              </a:rPr>
+              <a:t>之間沒有</a:t>
+            </a:r>
+            <a:r>
+              <a:rPr lang="en-US" altLang="zh-TW" dirty="0">
+                <a:solidFill>
+                  <a:srgbClr val="FF0000"/>
+                </a:solidFill>
+                <a:latin typeface="Arial" panose="020B0604020202020204" pitchFamily="34" charset="0"/>
+                <a:ea typeface="標楷體" panose="03000509000000000000" pitchFamily="65" charset="-120"/>
+                <a:cs typeface="Arial" panose="020B0604020202020204" pitchFamily="34" charset="0"/>
+              </a:rPr>
+              <a:t>data dependency</a:t>
+            </a:r>
+            <a:r>
+              <a:rPr lang="zh-TW" altLang="en-US" dirty="0">
+                <a:solidFill>
+                  <a:srgbClr val="FF0000"/>
+                </a:solidFill>
+                <a:latin typeface="Arial" panose="020B0604020202020204" pitchFamily="34" charset="0"/>
+                <a:ea typeface="標楷體" panose="03000509000000000000" pitchFamily="65" charset="-120"/>
+                <a:cs typeface="Arial" panose="020B0604020202020204" pitchFamily="34" charset="0"/>
+              </a:rPr>
+              <a:t>，故</a:t>
+            </a:r>
+            <a:r>
+              <a:rPr lang="en-US" altLang="zh-TW" dirty="0">
+                <a:solidFill>
+                  <a:srgbClr val="FF0000"/>
+                </a:solidFill>
+                <a:latin typeface="Arial" panose="020B0604020202020204" pitchFamily="34" charset="0"/>
+                <a:ea typeface="標楷體" panose="03000509000000000000" pitchFamily="65" charset="-120"/>
+                <a:cs typeface="Arial" panose="020B0604020202020204" pitchFamily="34" charset="0"/>
+              </a:rPr>
+              <a:t>HLS</a:t>
+            </a:r>
+            <a:r>
+              <a:rPr lang="zh-TW" altLang="en-US" dirty="0">
+                <a:solidFill>
+                  <a:srgbClr val="FF0000"/>
+                </a:solidFill>
+                <a:latin typeface="Arial" panose="020B0604020202020204" pitchFamily="34" charset="0"/>
+                <a:ea typeface="標楷體" panose="03000509000000000000" pitchFamily="65" charset="-120"/>
+                <a:cs typeface="Arial" panose="020B0604020202020204" pitchFamily="34" charset="0"/>
+              </a:rPr>
+              <a:t>會對</a:t>
+            </a:r>
+            <a:r>
+              <a:rPr lang="en-US" altLang="zh-TW" dirty="0">
+                <a:solidFill>
+                  <a:srgbClr val="FF0000"/>
+                </a:solidFill>
+                <a:latin typeface="Arial" panose="020B0604020202020204" pitchFamily="34" charset="0"/>
+                <a:ea typeface="標楷體" panose="03000509000000000000" pitchFamily="65" charset="-120"/>
+                <a:cs typeface="Arial" panose="020B0604020202020204" pitchFamily="34" charset="0"/>
+              </a:rPr>
+              <a:t>loop3 UNROLL</a:t>
+            </a:r>
+            <a:r>
+              <a:rPr lang="zh-TW" altLang="en-US" dirty="0">
+                <a:solidFill>
+                  <a:srgbClr val="FF0000"/>
+                </a:solidFill>
+                <a:latin typeface="Arial" panose="020B0604020202020204" pitchFamily="34" charset="0"/>
+                <a:ea typeface="標楷體" panose="03000509000000000000" pitchFamily="65" charset="-120"/>
+                <a:cs typeface="Arial" panose="020B0604020202020204" pitchFamily="34" charset="0"/>
+              </a:rPr>
+              <a:t>，因此</a:t>
+            </a:r>
+            <a:r>
+              <a:rPr lang="en-US" altLang="zh-TW" dirty="0">
+                <a:solidFill>
+                  <a:srgbClr val="FF0000"/>
+                </a:solidFill>
+                <a:latin typeface="Arial" panose="020B0604020202020204" pitchFamily="34" charset="0"/>
+                <a:ea typeface="標楷體" panose="03000509000000000000" pitchFamily="65" charset="-120"/>
+                <a:cs typeface="Arial" panose="020B0604020202020204" pitchFamily="34" charset="0"/>
+              </a:rPr>
+              <a:t>loop3</a:t>
+            </a:r>
+            <a:r>
+              <a:rPr lang="zh-TW" altLang="en-US" dirty="0">
+                <a:solidFill>
+                  <a:srgbClr val="FF0000"/>
+                </a:solidFill>
+                <a:latin typeface="Arial" panose="020B0604020202020204" pitchFamily="34" charset="0"/>
+                <a:ea typeface="標楷體" panose="03000509000000000000" pitchFamily="65" charset="-120"/>
+                <a:cs typeface="Arial" panose="020B0604020202020204" pitchFamily="34" charset="0"/>
+              </a:rPr>
+              <a:t>可以一次在一個</a:t>
+            </a:r>
+            <a:r>
+              <a:rPr lang="en-US" altLang="zh-TW" dirty="0">
+                <a:solidFill>
+                  <a:srgbClr val="FF0000"/>
+                </a:solidFill>
+                <a:latin typeface="Arial" panose="020B0604020202020204" pitchFamily="34" charset="0"/>
+                <a:ea typeface="標楷體" panose="03000509000000000000" pitchFamily="65" charset="-120"/>
+                <a:cs typeface="Arial" panose="020B0604020202020204" pitchFamily="34" charset="0"/>
+              </a:rPr>
+              <a:t>cycle</a:t>
+            </a:r>
+            <a:r>
+              <a:rPr lang="zh-TW" altLang="en-US" dirty="0">
+                <a:solidFill>
+                  <a:srgbClr val="FF0000"/>
+                </a:solidFill>
+                <a:latin typeface="Arial" panose="020B0604020202020204" pitchFamily="34" charset="0"/>
+                <a:ea typeface="標楷體" panose="03000509000000000000" pitchFamily="65" charset="-120"/>
+                <a:cs typeface="Arial" panose="020B0604020202020204" pitchFamily="34" charset="0"/>
+              </a:rPr>
+              <a:t>內做完。</a:t>
+            </a:r>
+            <a:endParaRPr lang="en-US" altLang="zh-TW" dirty="0">
+              <a:solidFill>
+                <a:srgbClr val="FF0000"/>
+              </a:solidFill>
+              <a:latin typeface="Arial" panose="020B0604020202020204" pitchFamily="34" charset="0"/>
+              <a:ea typeface="標楷體" panose="03000509000000000000" pitchFamily="65" charset="-120"/>
+              <a:cs typeface="Arial" panose="020B0604020202020204" pitchFamily="34" charset="0"/>
+            </a:endParaRPr>
+          </a:p>
+          <a:p>
+            <a:r>
+              <a:rPr lang="zh-TW" altLang="en-US" dirty="0">
+                <a:solidFill>
+                  <a:srgbClr val="FF0000"/>
+                </a:solidFill>
+                <a:latin typeface="Arial" panose="020B0604020202020204" pitchFamily="34" charset="0"/>
+                <a:ea typeface="標楷體" panose="03000509000000000000" pitchFamily="65" charset="-120"/>
+                <a:cs typeface="Arial" panose="020B0604020202020204" pitchFamily="34" charset="0"/>
+              </a:rPr>
+              <a:t>故對</a:t>
+            </a:r>
+            <a:r>
+              <a:rPr lang="en-US" altLang="zh-TW" dirty="0">
+                <a:solidFill>
+                  <a:srgbClr val="FF0000"/>
+                </a:solidFill>
+                <a:latin typeface="Arial" panose="020B0604020202020204" pitchFamily="34" charset="0"/>
+                <a:ea typeface="標楷體" panose="03000509000000000000" pitchFamily="65" charset="-120"/>
+                <a:cs typeface="Arial" panose="020B0604020202020204" pitchFamily="34" charset="0"/>
+              </a:rPr>
+              <a:t>loop2</a:t>
+            </a:r>
+            <a:r>
+              <a:rPr lang="zh-TW" altLang="en-US" dirty="0">
+                <a:solidFill>
+                  <a:srgbClr val="FF0000"/>
+                </a:solidFill>
+                <a:latin typeface="Arial" panose="020B0604020202020204" pitchFamily="34" charset="0"/>
+                <a:ea typeface="標楷體" panose="03000509000000000000" pitchFamily="65" charset="-120"/>
+                <a:cs typeface="Arial" panose="020B0604020202020204" pitchFamily="34" charset="0"/>
+              </a:rPr>
+              <a:t>來說，</a:t>
+            </a:r>
+            <a:r>
+              <a:rPr lang="en-US" altLang="zh-TW" dirty="0">
+                <a:solidFill>
+                  <a:srgbClr val="FF0000"/>
+                </a:solidFill>
+                <a:latin typeface="Arial" panose="020B0604020202020204" pitchFamily="34" charset="0"/>
+                <a:ea typeface="標楷體" panose="03000509000000000000" pitchFamily="65" charset="-120"/>
+                <a:cs typeface="Arial" panose="020B0604020202020204" pitchFamily="34" charset="0"/>
+              </a:rPr>
+              <a:t>II=1</a:t>
+            </a:r>
+            <a:r>
+              <a:rPr lang="zh-TW" altLang="en-US" dirty="0">
+                <a:solidFill>
+                  <a:srgbClr val="FF0000"/>
+                </a:solidFill>
+                <a:latin typeface="Arial" panose="020B0604020202020204" pitchFamily="34" charset="0"/>
+                <a:ea typeface="標楷體" panose="03000509000000000000" pitchFamily="65" charset="-120"/>
+                <a:cs typeface="Arial" panose="020B0604020202020204" pitchFamily="34" charset="0"/>
+              </a:rPr>
+              <a:t>。</a:t>
+            </a:r>
+          </a:p>
+        </p:txBody>
+      </p:sp>
     </p:spTree>
     <p:extLst>
       <p:ext uri="{BB962C8B-B14F-4D97-AF65-F5344CB8AC3E}">
@@ -40156,7 +38590,7 @@
         </p:nvSpPr>
         <p:spPr>
           <a:xfrm>
-            <a:off x="1050925" y="2831858"/>
+            <a:off x="1059803" y="1517602"/>
             <a:ext cx="6296025" cy="3108543"/>
           </a:xfrm>
           <a:prstGeom prst="rect">
@@ -41121,1846 +39555,30 @@
           </a:p>
         </p:txBody>
       </p:sp>
-      <p:graphicFrame>
-        <p:nvGraphicFramePr>
-          <p:cNvPr id="8" name="表格 8">
+      <p:sp>
+        <p:nvSpPr>
+          <p:cNvPr id="3" name="右中括弧 2">
             <a:extLst>
               <a:ext uri="{FF2B5EF4-FFF2-40B4-BE49-F238E27FC236}">
-                <a16:creationId xmlns:a16="http://schemas.microsoft.com/office/drawing/2014/main" id="{01C4718D-9E18-41F7-88A4-5F9758467EC2}"/>
+                <a16:creationId xmlns:a16="http://schemas.microsoft.com/office/drawing/2014/main" id="{831FBCB7-D49C-4E1A-B2A2-3095B3597B06}"/>
               </a:ext>
             </a:extLst>
           </p:cNvPr>
-          <p:cNvGraphicFramePr>
-            <a:graphicFrameLocks noGrp="1"/>
-          </p:cNvGraphicFramePr>
-          <p:nvPr>
-            <p:extLst>
-              <p:ext uri="{D42A27DB-BD31-4B8C-83A1-F6EECF244321}">
-                <p14:modId xmlns:p14="http://schemas.microsoft.com/office/powerpoint/2010/main" val="1217062785"/>
-              </p:ext>
-            </p:extLst>
-          </p:nvPr>
-        </p:nvGraphicFramePr>
-        <p:xfrm>
-          <a:off x="1050925" y="1484479"/>
-          <a:ext cx="8127999" cy="1112520"/>
-        </p:xfrm>
-        <a:graphic>
-          <a:graphicData uri="http://schemas.openxmlformats.org/drawingml/2006/table">
-            <a:tbl>
-              <a:tblPr firstRow="1" bandRow="1">
-                <a:tableStyleId>{5C22544A-7EE6-4342-B048-85BDC9FD1C3A}</a:tableStyleId>
-              </a:tblPr>
-              <a:tblGrid>
-                <a:gridCol w="903111">
-                  <a:extLst>
-                    <a:ext uri="{9D8B030D-6E8A-4147-A177-3AD203B41FA5}">
-                      <a16:colId xmlns:a16="http://schemas.microsoft.com/office/drawing/2014/main" val="2376314019"/>
-                    </a:ext>
-                  </a:extLst>
-                </a:gridCol>
-                <a:gridCol w="903111">
-                  <a:extLst>
-                    <a:ext uri="{9D8B030D-6E8A-4147-A177-3AD203B41FA5}">
-                      <a16:colId xmlns:a16="http://schemas.microsoft.com/office/drawing/2014/main" val="21104296"/>
-                    </a:ext>
-                  </a:extLst>
-                </a:gridCol>
-                <a:gridCol w="903111">
-                  <a:extLst>
-                    <a:ext uri="{9D8B030D-6E8A-4147-A177-3AD203B41FA5}">
-                      <a16:colId xmlns:a16="http://schemas.microsoft.com/office/drawing/2014/main" val="76546312"/>
-                    </a:ext>
-                  </a:extLst>
-                </a:gridCol>
-                <a:gridCol w="903111">
-                  <a:extLst>
-                    <a:ext uri="{9D8B030D-6E8A-4147-A177-3AD203B41FA5}">
-                      <a16:colId xmlns:a16="http://schemas.microsoft.com/office/drawing/2014/main" val="2665945436"/>
-                    </a:ext>
-                  </a:extLst>
-                </a:gridCol>
-                <a:gridCol w="903111">
-                  <a:extLst>
-                    <a:ext uri="{9D8B030D-6E8A-4147-A177-3AD203B41FA5}">
-                      <a16:colId xmlns:a16="http://schemas.microsoft.com/office/drawing/2014/main" val="1138235696"/>
-                    </a:ext>
-                  </a:extLst>
-                </a:gridCol>
-                <a:gridCol w="903111">
-                  <a:extLst>
-                    <a:ext uri="{9D8B030D-6E8A-4147-A177-3AD203B41FA5}">
-                      <a16:colId xmlns:a16="http://schemas.microsoft.com/office/drawing/2014/main" val="1841409791"/>
-                    </a:ext>
-                  </a:extLst>
-                </a:gridCol>
-                <a:gridCol w="903111">
-                  <a:extLst>
-                    <a:ext uri="{9D8B030D-6E8A-4147-A177-3AD203B41FA5}">
-                      <a16:colId xmlns:a16="http://schemas.microsoft.com/office/drawing/2014/main" val="100522700"/>
-                    </a:ext>
-                  </a:extLst>
-                </a:gridCol>
-                <a:gridCol w="903111">
-                  <a:extLst>
-                    <a:ext uri="{9D8B030D-6E8A-4147-A177-3AD203B41FA5}">
-                      <a16:colId xmlns:a16="http://schemas.microsoft.com/office/drawing/2014/main" val="1264082640"/>
-                    </a:ext>
-                  </a:extLst>
-                </a:gridCol>
-                <a:gridCol w="903111">
-                  <a:extLst>
-                    <a:ext uri="{9D8B030D-6E8A-4147-A177-3AD203B41FA5}">
-                      <a16:colId xmlns:a16="http://schemas.microsoft.com/office/drawing/2014/main" val="2138452667"/>
-                    </a:ext>
-                  </a:extLst>
-                </a:gridCol>
-              </a:tblGrid>
-              <a:tr h="370840">
-                <a:tc>
-                  <a:txBody>
-                    <a:bodyPr/>
-                    <a:lstStyle/>
-                    <a:p>
-                      <a:r>
-                        <a:rPr lang="en-US" altLang="zh-TW" dirty="0">
-                          <a:solidFill>
-                            <a:schemeClr val="tx1"/>
-                          </a:solidFill>
-                        </a:rPr>
-                        <a:t>Cycle 0</a:t>
-                      </a:r>
-                      <a:endParaRPr lang="zh-TW" altLang="en-US" dirty="0">
-                        <a:solidFill>
-                          <a:schemeClr val="tx1"/>
-                        </a:solidFill>
-                      </a:endParaRPr>
-                    </a:p>
-                  </a:txBody>
-                  <a:tcPr>
-                    <a:lnL w="12700" cap="flat" cmpd="sng" algn="ctr">
-                      <a:solidFill>
-                        <a:schemeClr val="tx1"/>
-                      </a:solidFill>
-                      <a:prstDash val="solid"/>
-                      <a:round/>
-                      <a:headEnd type="none" w="med" len="med"/>
-                      <a:tailEnd type="none" w="med" len="med"/>
-                    </a:lnL>
-                    <a:lnR w="12700" cap="flat" cmpd="sng" algn="ctr">
-                      <a:solidFill>
-                        <a:schemeClr val="tx1"/>
-                      </a:solidFill>
-                      <a:prstDash val="solid"/>
-                      <a:round/>
-                      <a:headEnd type="none" w="med" len="med"/>
-                      <a:tailEnd type="none" w="med" len="med"/>
-                    </a:lnR>
-                    <a:lnT w="12700" cap="flat" cmpd="sng" algn="ctr">
-                      <a:solidFill>
-                        <a:schemeClr val="tx1"/>
-                      </a:solidFill>
-                      <a:prstDash val="solid"/>
-                      <a:round/>
-                      <a:headEnd type="none" w="med" len="med"/>
-                      <a:tailEnd type="none" w="med" len="med"/>
-                    </a:lnT>
-                    <a:lnB w="12700" cap="flat" cmpd="sng" algn="ctr">
-                      <a:solidFill>
-                        <a:schemeClr val="tx1"/>
-                      </a:solidFill>
-                      <a:prstDash val="solid"/>
-                      <a:round/>
-                      <a:headEnd type="none" w="med" len="med"/>
-                      <a:tailEnd type="none" w="med" len="med"/>
-                    </a:lnB>
-                    <a:lnTlToBr w="12700" cmpd="sng">
-                      <a:noFill/>
-                      <a:prstDash val="solid"/>
-                    </a:lnTlToBr>
-                    <a:lnBlToTr w="12700" cmpd="sng">
-                      <a:noFill/>
-                      <a:prstDash val="solid"/>
-                    </a:lnBlToTr>
-                    <a:noFill/>
-                  </a:tcPr>
-                </a:tc>
-                <a:tc>
-                  <a:txBody>
-                    <a:bodyPr/>
-                    <a:lstStyle/>
-                    <a:p>
-                      <a:r>
-                        <a:rPr lang="en-US" altLang="zh-TW" dirty="0">
-                          <a:solidFill>
-                            <a:schemeClr val="tx1"/>
-                          </a:solidFill>
-                        </a:rPr>
-                        <a:t>Cycle 1</a:t>
-                      </a:r>
-                      <a:endParaRPr lang="zh-TW" altLang="en-US" dirty="0">
-                        <a:solidFill>
-                          <a:schemeClr val="tx1"/>
-                        </a:solidFill>
-                      </a:endParaRPr>
-                    </a:p>
-                  </a:txBody>
-                  <a:tcPr>
-                    <a:lnL w="12700" cap="flat" cmpd="sng" algn="ctr">
-                      <a:solidFill>
-                        <a:schemeClr val="tx1"/>
-                      </a:solidFill>
-                      <a:prstDash val="solid"/>
-                      <a:round/>
-                      <a:headEnd type="none" w="med" len="med"/>
-                      <a:tailEnd type="none" w="med" len="med"/>
-                    </a:lnL>
-                    <a:lnR w="12700" cap="flat" cmpd="sng" algn="ctr">
-                      <a:solidFill>
-                        <a:schemeClr val="tx1"/>
-                      </a:solidFill>
-                      <a:prstDash val="solid"/>
-                      <a:round/>
-                      <a:headEnd type="none" w="med" len="med"/>
-                      <a:tailEnd type="none" w="med" len="med"/>
-                    </a:lnR>
-                    <a:lnT w="12700" cap="flat" cmpd="sng" algn="ctr">
-                      <a:solidFill>
-                        <a:schemeClr val="tx1"/>
-                      </a:solidFill>
-                      <a:prstDash val="solid"/>
-                      <a:round/>
-                      <a:headEnd type="none" w="med" len="med"/>
-                      <a:tailEnd type="none" w="med" len="med"/>
-                    </a:lnT>
-                    <a:lnB w="12700" cap="flat" cmpd="sng" algn="ctr">
-                      <a:solidFill>
-                        <a:schemeClr val="tx1"/>
-                      </a:solidFill>
-                      <a:prstDash val="solid"/>
-                      <a:round/>
-                      <a:headEnd type="none" w="med" len="med"/>
-                      <a:tailEnd type="none" w="med" len="med"/>
-                    </a:lnB>
-                    <a:lnTlToBr w="12700" cmpd="sng">
-                      <a:noFill/>
-                      <a:prstDash val="solid"/>
-                    </a:lnTlToBr>
-                    <a:lnBlToTr w="12700" cmpd="sng">
-                      <a:noFill/>
-                      <a:prstDash val="solid"/>
-                    </a:lnBlToTr>
-                    <a:noFill/>
-                  </a:tcPr>
-                </a:tc>
-                <a:tc>
-                  <a:txBody>
-                    <a:bodyPr/>
-                    <a:lstStyle/>
-                    <a:p>
-                      <a:r>
-                        <a:rPr lang="en-US" altLang="zh-TW" dirty="0">
-                          <a:solidFill>
-                            <a:schemeClr val="tx1"/>
-                          </a:solidFill>
-                        </a:rPr>
-                        <a:t>Cycle 2</a:t>
-                      </a:r>
-                      <a:endParaRPr lang="zh-TW" altLang="en-US" dirty="0">
-                        <a:solidFill>
-                          <a:schemeClr val="tx1"/>
-                        </a:solidFill>
-                      </a:endParaRPr>
-                    </a:p>
-                  </a:txBody>
-                  <a:tcPr>
-                    <a:lnL w="12700" cap="flat" cmpd="sng" algn="ctr">
-                      <a:solidFill>
-                        <a:schemeClr val="tx1"/>
-                      </a:solidFill>
-                      <a:prstDash val="solid"/>
-                      <a:round/>
-                      <a:headEnd type="none" w="med" len="med"/>
-                      <a:tailEnd type="none" w="med" len="med"/>
-                    </a:lnL>
-                    <a:lnR w="12700" cap="flat" cmpd="sng" algn="ctr">
-                      <a:solidFill>
-                        <a:schemeClr val="tx1"/>
-                      </a:solidFill>
-                      <a:prstDash val="solid"/>
-                      <a:round/>
-                      <a:headEnd type="none" w="med" len="med"/>
-                      <a:tailEnd type="none" w="med" len="med"/>
-                    </a:lnR>
-                    <a:lnT w="12700" cap="flat" cmpd="sng" algn="ctr">
-                      <a:solidFill>
-                        <a:schemeClr val="tx1"/>
-                      </a:solidFill>
-                      <a:prstDash val="solid"/>
-                      <a:round/>
-                      <a:headEnd type="none" w="med" len="med"/>
-                      <a:tailEnd type="none" w="med" len="med"/>
-                    </a:lnT>
-                    <a:lnB w="12700" cap="flat" cmpd="sng" algn="ctr">
-                      <a:solidFill>
-                        <a:schemeClr val="tx1"/>
-                      </a:solidFill>
-                      <a:prstDash val="solid"/>
-                      <a:round/>
-                      <a:headEnd type="none" w="med" len="med"/>
-                      <a:tailEnd type="none" w="med" len="med"/>
-                    </a:lnB>
-                    <a:lnTlToBr w="12700" cmpd="sng">
-                      <a:noFill/>
-                      <a:prstDash val="solid"/>
-                    </a:lnTlToBr>
-                    <a:lnBlToTr w="12700" cmpd="sng">
-                      <a:noFill/>
-                      <a:prstDash val="solid"/>
-                    </a:lnBlToTr>
-                    <a:noFill/>
-                  </a:tcPr>
-                </a:tc>
-                <a:tc>
-                  <a:txBody>
-                    <a:bodyPr/>
-                    <a:lstStyle/>
-                    <a:p>
-                      <a:r>
-                        <a:rPr lang="en-US" altLang="zh-TW" dirty="0">
-                          <a:solidFill>
-                            <a:schemeClr val="tx1"/>
-                          </a:solidFill>
-                        </a:rPr>
-                        <a:t>Cycle 3</a:t>
-                      </a:r>
-                      <a:endParaRPr lang="zh-TW" altLang="en-US" dirty="0">
-                        <a:solidFill>
-                          <a:schemeClr val="tx1"/>
-                        </a:solidFill>
-                      </a:endParaRPr>
-                    </a:p>
-                  </a:txBody>
-                  <a:tcPr>
-                    <a:lnL w="12700" cap="flat" cmpd="sng" algn="ctr">
-                      <a:solidFill>
-                        <a:schemeClr val="tx1"/>
-                      </a:solidFill>
-                      <a:prstDash val="solid"/>
-                      <a:round/>
-                      <a:headEnd type="none" w="med" len="med"/>
-                      <a:tailEnd type="none" w="med" len="med"/>
-                    </a:lnL>
-                    <a:lnR w="12700" cap="flat" cmpd="sng" algn="ctr">
-                      <a:solidFill>
-                        <a:schemeClr val="tx1"/>
-                      </a:solidFill>
-                      <a:prstDash val="solid"/>
-                      <a:round/>
-                      <a:headEnd type="none" w="med" len="med"/>
-                      <a:tailEnd type="none" w="med" len="med"/>
-                    </a:lnR>
-                    <a:lnT w="12700" cap="flat" cmpd="sng" algn="ctr">
-                      <a:solidFill>
-                        <a:schemeClr val="tx1"/>
-                      </a:solidFill>
-                      <a:prstDash val="solid"/>
-                      <a:round/>
-                      <a:headEnd type="none" w="med" len="med"/>
-                      <a:tailEnd type="none" w="med" len="med"/>
-                    </a:lnT>
-                    <a:lnB w="12700" cap="flat" cmpd="sng" algn="ctr">
-                      <a:solidFill>
-                        <a:schemeClr val="tx1"/>
-                      </a:solidFill>
-                      <a:prstDash val="solid"/>
-                      <a:round/>
-                      <a:headEnd type="none" w="med" len="med"/>
-                      <a:tailEnd type="none" w="med" len="med"/>
-                    </a:lnB>
-                    <a:lnTlToBr w="12700" cmpd="sng">
-                      <a:noFill/>
-                      <a:prstDash val="solid"/>
-                    </a:lnTlToBr>
-                    <a:lnBlToTr w="12700" cmpd="sng">
-                      <a:noFill/>
-                      <a:prstDash val="solid"/>
-                    </a:lnBlToTr>
-                    <a:noFill/>
-                  </a:tcPr>
-                </a:tc>
-                <a:tc>
-                  <a:txBody>
-                    <a:bodyPr/>
-                    <a:lstStyle/>
-                    <a:p>
-                      <a:r>
-                        <a:rPr lang="en-US" altLang="zh-TW" dirty="0">
-                          <a:solidFill>
-                            <a:schemeClr val="tx1"/>
-                          </a:solidFill>
-                        </a:rPr>
-                        <a:t>Cycle 4</a:t>
-                      </a:r>
-                      <a:endParaRPr lang="zh-TW" altLang="en-US" dirty="0">
-                        <a:solidFill>
-                          <a:schemeClr val="tx1"/>
-                        </a:solidFill>
-                      </a:endParaRPr>
-                    </a:p>
-                  </a:txBody>
-                  <a:tcPr>
-                    <a:lnL w="12700" cap="flat" cmpd="sng" algn="ctr">
-                      <a:solidFill>
-                        <a:schemeClr val="tx1"/>
-                      </a:solidFill>
-                      <a:prstDash val="solid"/>
-                      <a:round/>
-                      <a:headEnd type="none" w="med" len="med"/>
-                      <a:tailEnd type="none" w="med" len="med"/>
-                    </a:lnL>
-                    <a:lnR w="12700" cap="flat" cmpd="sng" algn="ctr">
-                      <a:solidFill>
-                        <a:schemeClr val="tx1"/>
-                      </a:solidFill>
-                      <a:prstDash val="solid"/>
-                      <a:round/>
-                      <a:headEnd type="none" w="med" len="med"/>
-                      <a:tailEnd type="none" w="med" len="med"/>
-                    </a:lnR>
-                    <a:lnT w="12700" cap="flat" cmpd="sng" algn="ctr">
-                      <a:solidFill>
-                        <a:schemeClr val="tx1"/>
-                      </a:solidFill>
-                      <a:prstDash val="solid"/>
-                      <a:round/>
-                      <a:headEnd type="none" w="med" len="med"/>
-                      <a:tailEnd type="none" w="med" len="med"/>
-                    </a:lnT>
-                    <a:lnB w="12700" cap="flat" cmpd="sng" algn="ctr">
-                      <a:solidFill>
-                        <a:schemeClr val="tx1"/>
-                      </a:solidFill>
-                      <a:prstDash val="solid"/>
-                      <a:round/>
-                      <a:headEnd type="none" w="med" len="med"/>
-                      <a:tailEnd type="none" w="med" len="med"/>
-                    </a:lnB>
-                    <a:lnTlToBr w="12700" cmpd="sng">
-                      <a:noFill/>
-                      <a:prstDash val="solid"/>
-                    </a:lnTlToBr>
-                    <a:lnBlToTr w="12700" cmpd="sng">
-                      <a:noFill/>
-                      <a:prstDash val="solid"/>
-                    </a:lnBlToTr>
-                    <a:noFill/>
-                  </a:tcPr>
-                </a:tc>
-                <a:tc>
-                  <a:txBody>
-                    <a:bodyPr/>
-                    <a:lstStyle/>
-                    <a:p>
-                      <a:r>
-                        <a:rPr lang="en-US" altLang="zh-TW" dirty="0">
-                          <a:solidFill>
-                            <a:schemeClr val="tx1"/>
-                          </a:solidFill>
-                        </a:rPr>
-                        <a:t>Cycle 5</a:t>
-                      </a:r>
-                      <a:endParaRPr lang="zh-TW" altLang="en-US" dirty="0">
-                        <a:solidFill>
-                          <a:schemeClr val="tx1"/>
-                        </a:solidFill>
-                      </a:endParaRPr>
-                    </a:p>
-                  </a:txBody>
-                  <a:tcPr>
-                    <a:lnL w="12700" cap="flat" cmpd="sng" algn="ctr">
-                      <a:solidFill>
-                        <a:schemeClr val="tx1"/>
-                      </a:solidFill>
-                      <a:prstDash val="solid"/>
-                      <a:round/>
-                      <a:headEnd type="none" w="med" len="med"/>
-                      <a:tailEnd type="none" w="med" len="med"/>
-                    </a:lnL>
-                    <a:lnR w="12700" cap="flat" cmpd="sng" algn="ctr">
-                      <a:solidFill>
-                        <a:schemeClr val="tx1"/>
-                      </a:solidFill>
-                      <a:prstDash val="solid"/>
-                      <a:round/>
-                      <a:headEnd type="none" w="med" len="med"/>
-                      <a:tailEnd type="none" w="med" len="med"/>
-                    </a:lnR>
-                    <a:lnT w="12700" cap="flat" cmpd="sng" algn="ctr">
-                      <a:solidFill>
-                        <a:schemeClr val="tx1"/>
-                      </a:solidFill>
-                      <a:prstDash val="solid"/>
-                      <a:round/>
-                      <a:headEnd type="none" w="med" len="med"/>
-                      <a:tailEnd type="none" w="med" len="med"/>
-                    </a:lnT>
-                    <a:lnB w="12700" cap="flat" cmpd="sng" algn="ctr">
-                      <a:solidFill>
-                        <a:schemeClr val="tx1"/>
-                      </a:solidFill>
-                      <a:prstDash val="solid"/>
-                      <a:round/>
-                      <a:headEnd type="none" w="med" len="med"/>
-                      <a:tailEnd type="none" w="med" len="med"/>
-                    </a:lnB>
-                    <a:lnTlToBr w="12700" cmpd="sng">
-                      <a:noFill/>
-                      <a:prstDash val="solid"/>
-                    </a:lnTlToBr>
-                    <a:lnBlToTr w="12700" cmpd="sng">
-                      <a:noFill/>
-                      <a:prstDash val="solid"/>
-                    </a:lnBlToTr>
-                    <a:noFill/>
-                  </a:tcPr>
-                </a:tc>
-                <a:tc>
-                  <a:txBody>
-                    <a:bodyPr/>
-                    <a:lstStyle/>
-                    <a:p>
-                      <a:r>
-                        <a:rPr lang="en-US" altLang="zh-TW">
-                          <a:solidFill>
-                            <a:schemeClr val="tx1"/>
-                          </a:solidFill>
-                        </a:rPr>
-                        <a:t>Cycle 6</a:t>
-                      </a:r>
-                      <a:endParaRPr lang="zh-TW" altLang="en-US" dirty="0">
-                        <a:solidFill>
-                          <a:schemeClr val="tx1"/>
-                        </a:solidFill>
-                      </a:endParaRPr>
-                    </a:p>
-                  </a:txBody>
-                  <a:tcPr>
-                    <a:lnL w="12700" cap="flat" cmpd="sng" algn="ctr">
-                      <a:solidFill>
-                        <a:schemeClr val="tx1"/>
-                      </a:solidFill>
-                      <a:prstDash val="solid"/>
-                      <a:round/>
-                      <a:headEnd type="none" w="med" len="med"/>
-                      <a:tailEnd type="none" w="med" len="med"/>
-                    </a:lnL>
-                    <a:lnR w="12700" cap="flat" cmpd="sng" algn="ctr">
-                      <a:solidFill>
-                        <a:schemeClr val="tx1"/>
-                      </a:solidFill>
-                      <a:prstDash val="solid"/>
-                      <a:round/>
-                      <a:headEnd type="none" w="med" len="med"/>
-                      <a:tailEnd type="none" w="med" len="med"/>
-                    </a:lnR>
-                    <a:lnT w="12700" cap="flat" cmpd="sng" algn="ctr">
-                      <a:solidFill>
-                        <a:schemeClr val="tx1"/>
-                      </a:solidFill>
-                      <a:prstDash val="solid"/>
-                      <a:round/>
-                      <a:headEnd type="none" w="med" len="med"/>
-                      <a:tailEnd type="none" w="med" len="med"/>
-                    </a:lnT>
-                    <a:lnB w="12700" cap="flat" cmpd="sng" algn="ctr">
-                      <a:solidFill>
-                        <a:schemeClr val="tx1"/>
-                      </a:solidFill>
-                      <a:prstDash val="solid"/>
-                      <a:round/>
-                      <a:headEnd type="none" w="med" len="med"/>
-                      <a:tailEnd type="none" w="med" len="med"/>
-                    </a:lnB>
-                    <a:lnTlToBr w="12700" cmpd="sng">
-                      <a:noFill/>
-                      <a:prstDash val="solid"/>
-                    </a:lnTlToBr>
-                    <a:lnBlToTr w="12700" cmpd="sng">
-                      <a:noFill/>
-                      <a:prstDash val="solid"/>
-                    </a:lnBlToTr>
-                    <a:noFill/>
-                  </a:tcPr>
-                </a:tc>
-                <a:tc>
-                  <a:txBody>
-                    <a:bodyPr/>
-                    <a:lstStyle/>
-                    <a:p>
-                      <a:r>
-                        <a:rPr lang="en-US" altLang="zh-TW" dirty="0">
-                          <a:solidFill>
-                            <a:schemeClr val="tx1"/>
-                          </a:solidFill>
-                        </a:rPr>
-                        <a:t>Cycle 7</a:t>
-                      </a:r>
-                      <a:endParaRPr lang="zh-TW" altLang="en-US" dirty="0">
-                        <a:solidFill>
-                          <a:schemeClr val="tx1"/>
-                        </a:solidFill>
-                      </a:endParaRPr>
-                    </a:p>
-                  </a:txBody>
-                  <a:tcPr>
-                    <a:lnL w="12700" cap="flat" cmpd="sng" algn="ctr">
-                      <a:solidFill>
-                        <a:schemeClr val="tx1"/>
-                      </a:solidFill>
-                      <a:prstDash val="solid"/>
-                      <a:round/>
-                      <a:headEnd type="none" w="med" len="med"/>
-                      <a:tailEnd type="none" w="med" len="med"/>
-                    </a:lnL>
-                    <a:lnR w="12700" cap="flat" cmpd="sng" algn="ctr">
-                      <a:solidFill>
-                        <a:schemeClr val="tx1"/>
-                      </a:solidFill>
-                      <a:prstDash val="solid"/>
-                      <a:round/>
-                      <a:headEnd type="none" w="med" len="med"/>
-                      <a:tailEnd type="none" w="med" len="med"/>
-                    </a:lnR>
-                    <a:lnT w="12700" cap="flat" cmpd="sng" algn="ctr">
-                      <a:solidFill>
-                        <a:schemeClr val="tx1"/>
-                      </a:solidFill>
-                      <a:prstDash val="solid"/>
-                      <a:round/>
-                      <a:headEnd type="none" w="med" len="med"/>
-                      <a:tailEnd type="none" w="med" len="med"/>
-                    </a:lnT>
-                    <a:lnB w="12700" cap="flat" cmpd="sng" algn="ctr">
-                      <a:solidFill>
-                        <a:schemeClr val="tx1"/>
-                      </a:solidFill>
-                      <a:prstDash val="solid"/>
-                      <a:round/>
-                      <a:headEnd type="none" w="med" len="med"/>
-                      <a:tailEnd type="none" w="med" len="med"/>
-                    </a:lnB>
-                    <a:lnTlToBr w="12700" cmpd="sng">
-                      <a:noFill/>
-                      <a:prstDash val="solid"/>
-                    </a:lnTlToBr>
-                    <a:lnBlToTr w="12700" cmpd="sng">
-                      <a:noFill/>
-                      <a:prstDash val="solid"/>
-                    </a:lnBlToTr>
-                    <a:noFill/>
-                  </a:tcPr>
-                </a:tc>
-                <a:tc>
-                  <a:txBody>
-                    <a:bodyPr/>
-                    <a:lstStyle/>
-                    <a:p>
-                      <a:r>
-                        <a:rPr lang="en-US" altLang="zh-TW" dirty="0">
-                          <a:solidFill>
-                            <a:schemeClr val="tx1"/>
-                          </a:solidFill>
-                        </a:rPr>
-                        <a:t>Cycle 8</a:t>
-                      </a:r>
-                      <a:endParaRPr lang="zh-TW" altLang="en-US" dirty="0">
-                        <a:solidFill>
-                          <a:schemeClr val="tx1"/>
-                        </a:solidFill>
-                      </a:endParaRPr>
-                    </a:p>
-                  </a:txBody>
-                  <a:tcPr>
-                    <a:lnL w="12700" cap="flat" cmpd="sng" algn="ctr">
-                      <a:solidFill>
-                        <a:schemeClr val="tx1"/>
-                      </a:solidFill>
-                      <a:prstDash val="solid"/>
-                      <a:round/>
-                      <a:headEnd type="none" w="med" len="med"/>
-                      <a:tailEnd type="none" w="med" len="med"/>
-                    </a:lnL>
-                    <a:lnR w="12700" cap="flat" cmpd="sng" algn="ctr">
-                      <a:solidFill>
-                        <a:schemeClr val="tx1"/>
-                      </a:solidFill>
-                      <a:prstDash val="solid"/>
-                      <a:round/>
-                      <a:headEnd type="none" w="med" len="med"/>
-                      <a:tailEnd type="none" w="med" len="med"/>
-                    </a:lnR>
-                    <a:lnT w="12700" cap="flat" cmpd="sng" algn="ctr">
-                      <a:solidFill>
-                        <a:schemeClr val="tx1"/>
-                      </a:solidFill>
-                      <a:prstDash val="solid"/>
-                      <a:round/>
-                      <a:headEnd type="none" w="med" len="med"/>
-                      <a:tailEnd type="none" w="med" len="med"/>
-                    </a:lnT>
-                    <a:lnB w="12700" cap="flat" cmpd="sng" algn="ctr">
-                      <a:solidFill>
-                        <a:schemeClr val="tx1"/>
-                      </a:solidFill>
-                      <a:prstDash val="solid"/>
-                      <a:round/>
-                      <a:headEnd type="none" w="med" len="med"/>
-                      <a:tailEnd type="none" w="med" len="med"/>
-                    </a:lnB>
-                    <a:lnTlToBr w="12700" cmpd="sng">
-                      <a:noFill/>
-                      <a:prstDash val="solid"/>
-                    </a:lnTlToBr>
-                    <a:lnBlToTr w="12700" cmpd="sng">
-                      <a:noFill/>
-                      <a:prstDash val="solid"/>
-                    </a:lnBlToTr>
-                    <a:noFill/>
-                  </a:tcPr>
-                </a:tc>
-                <a:extLst>
-                  <a:ext uri="{0D108BD9-81ED-4DB2-BD59-A6C34878D82A}">
-                    <a16:rowId xmlns:a16="http://schemas.microsoft.com/office/drawing/2014/main" val="3566395190"/>
-                  </a:ext>
-                </a:extLst>
-              </a:tr>
-              <a:tr h="370840">
-                <a:tc>
-                  <a:txBody>
-                    <a:bodyPr/>
-                    <a:lstStyle/>
-                    <a:p>
-                      <a:r>
-                        <a:rPr lang="en-US" altLang="zh-TW" dirty="0"/>
-                        <a:t>Result</a:t>
-                      </a:r>
-                      <a:endParaRPr lang="zh-TW" altLang="en-US" dirty="0"/>
-                    </a:p>
-                  </a:txBody>
-                  <a:tcPr>
-                    <a:lnL w="12700" cap="flat" cmpd="sng" algn="ctr">
-                      <a:solidFill>
-                        <a:schemeClr val="tx1"/>
-                      </a:solidFill>
-                      <a:prstDash val="solid"/>
-                      <a:round/>
-                      <a:headEnd type="none" w="med" len="med"/>
-                      <a:tailEnd type="none" w="med" len="med"/>
-                    </a:lnL>
-                    <a:lnR w="12700" cap="flat" cmpd="sng" algn="ctr">
-                      <a:solidFill>
-                        <a:schemeClr val="tx1"/>
-                      </a:solidFill>
-                      <a:prstDash val="solid"/>
-                      <a:round/>
-                      <a:headEnd type="none" w="med" len="med"/>
-                      <a:tailEnd type="none" w="med" len="med"/>
-                    </a:lnR>
-                    <a:lnT w="12700" cap="flat" cmpd="sng" algn="ctr">
-                      <a:solidFill>
-                        <a:schemeClr val="tx1"/>
-                      </a:solidFill>
-                      <a:prstDash val="solid"/>
-                      <a:round/>
-                      <a:headEnd type="none" w="med" len="med"/>
-                      <a:tailEnd type="none" w="med" len="med"/>
-                    </a:lnT>
-                    <a:lnB w="12700" cap="flat" cmpd="sng" algn="ctr">
-                      <a:solidFill>
-                        <a:schemeClr val="tx1"/>
-                      </a:solidFill>
-                      <a:prstDash val="solid"/>
-                      <a:round/>
-                      <a:headEnd type="none" w="med" len="med"/>
-                      <a:tailEnd type="none" w="med" len="med"/>
-                    </a:lnB>
-                    <a:lnTlToBr w="12700" cmpd="sng">
-                      <a:noFill/>
-                      <a:prstDash val="solid"/>
-                    </a:lnTlToBr>
-                    <a:lnBlToTr w="12700" cmpd="sng">
-                      <a:noFill/>
-                      <a:prstDash val="solid"/>
-                    </a:lnBlToTr>
-                    <a:solidFill>
-                      <a:schemeClr val="bg2">
-                        <a:lumMod val="90000"/>
-                      </a:schemeClr>
-                    </a:solidFill>
-                  </a:tcPr>
-                </a:tc>
-                <a:tc>
-                  <a:txBody>
-                    <a:bodyPr/>
-                    <a:lstStyle/>
-                    <a:p>
-                      <a:r>
-                        <a:rPr lang="en-US" altLang="zh-TW" dirty="0"/>
-                        <a:t>R A[0, 0]</a:t>
-                      </a:r>
-                      <a:endParaRPr lang="zh-TW" altLang="en-US" dirty="0"/>
-                    </a:p>
-                  </a:txBody>
-                  <a:tcPr>
-                    <a:lnL w="12700" cap="flat" cmpd="sng" algn="ctr">
-                      <a:solidFill>
-                        <a:schemeClr val="tx1"/>
-                      </a:solidFill>
-                      <a:prstDash val="solid"/>
-                      <a:round/>
-                      <a:headEnd type="none" w="med" len="med"/>
-                      <a:tailEnd type="none" w="med" len="med"/>
-                    </a:lnL>
-                    <a:lnR w="12700" cap="flat" cmpd="sng" algn="ctr">
-                      <a:solidFill>
-                        <a:schemeClr val="tx1"/>
-                      </a:solidFill>
-                      <a:prstDash val="solid"/>
-                      <a:round/>
-                      <a:headEnd type="none" w="med" len="med"/>
-                      <a:tailEnd type="none" w="med" len="med"/>
-                    </a:lnR>
-                    <a:lnT w="12700" cap="flat" cmpd="sng" algn="ctr">
-                      <a:solidFill>
-                        <a:schemeClr val="tx1"/>
-                      </a:solidFill>
-                      <a:prstDash val="solid"/>
-                      <a:round/>
-                      <a:headEnd type="none" w="med" len="med"/>
-                      <a:tailEnd type="none" w="med" len="med"/>
-                    </a:lnT>
-                    <a:lnB w="12700" cap="flat" cmpd="sng" algn="ctr">
-                      <a:solidFill>
-                        <a:schemeClr val="tx1"/>
-                      </a:solidFill>
-                      <a:prstDash val="solid"/>
-                      <a:round/>
-                      <a:headEnd type="none" w="med" len="med"/>
-                      <a:tailEnd type="none" w="med" len="med"/>
-                    </a:lnB>
-                    <a:lnTlToBr w="12700" cmpd="sng">
-                      <a:noFill/>
-                      <a:prstDash val="solid"/>
-                    </a:lnTlToBr>
-                    <a:lnBlToTr w="12700" cmpd="sng">
-                      <a:noFill/>
-                      <a:prstDash val="solid"/>
-                    </a:lnBlToTr>
-                    <a:solidFill>
-                      <a:schemeClr val="bg2">
-                        <a:lumMod val="90000"/>
-                      </a:schemeClr>
-                    </a:solidFill>
-                  </a:tcPr>
-                </a:tc>
-                <a:tc>
-                  <a:txBody>
-                    <a:bodyPr/>
-                    <a:lstStyle/>
-                    <a:p>
-                      <a:r>
-                        <a:rPr lang="en-US" altLang="zh-TW" dirty="0"/>
-                        <a:t>R B[0, 0]</a:t>
-                      </a:r>
-                      <a:endParaRPr lang="zh-TW" altLang="en-US" dirty="0"/>
-                    </a:p>
-                  </a:txBody>
-                  <a:tcPr>
-                    <a:lnL w="12700" cap="flat" cmpd="sng" algn="ctr">
-                      <a:solidFill>
-                        <a:schemeClr val="tx1"/>
-                      </a:solidFill>
-                      <a:prstDash val="solid"/>
-                      <a:round/>
-                      <a:headEnd type="none" w="med" len="med"/>
-                      <a:tailEnd type="none" w="med" len="med"/>
-                    </a:lnL>
-                    <a:lnR w="12700" cap="flat" cmpd="sng" algn="ctr">
-                      <a:solidFill>
-                        <a:schemeClr val="tx1"/>
-                      </a:solidFill>
-                      <a:prstDash val="solid"/>
-                      <a:round/>
-                      <a:headEnd type="none" w="med" len="med"/>
-                      <a:tailEnd type="none" w="med" len="med"/>
-                    </a:lnR>
-                    <a:lnT w="12700" cap="flat" cmpd="sng" algn="ctr">
-                      <a:solidFill>
-                        <a:schemeClr val="tx1"/>
-                      </a:solidFill>
-                      <a:prstDash val="solid"/>
-                      <a:round/>
-                      <a:headEnd type="none" w="med" len="med"/>
-                      <a:tailEnd type="none" w="med" len="med"/>
-                    </a:lnT>
-                    <a:lnB w="12700" cap="flat" cmpd="sng" algn="ctr">
-                      <a:solidFill>
-                        <a:schemeClr val="tx1"/>
-                      </a:solidFill>
-                      <a:prstDash val="solid"/>
-                      <a:round/>
-                      <a:headEnd type="none" w="med" len="med"/>
-                      <a:tailEnd type="none" w="med" len="med"/>
-                    </a:lnB>
-                    <a:lnTlToBr w="12700" cmpd="sng">
-                      <a:noFill/>
-                      <a:prstDash val="solid"/>
-                    </a:lnTlToBr>
-                    <a:lnBlToTr w="12700" cmpd="sng">
-                      <a:noFill/>
-                      <a:prstDash val="solid"/>
-                    </a:lnBlToTr>
-                    <a:solidFill>
-                      <a:schemeClr val="bg2">
-                        <a:lumMod val="90000"/>
-                      </a:schemeClr>
-                    </a:solidFill>
-                  </a:tcPr>
-                </a:tc>
-                <a:tc>
-                  <a:txBody>
-                    <a:bodyPr/>
-                    <a:lstStyle/>
-                    <a:p>
-                      <a:r>
-                        <a:rPr lang="en-US" altLang="zh-TW" dirty="0"/>
-                        <a:t>*</a:t>
-                      </a:r>
-                      <a:endParaRPr lang="zh-TW" altLang="en-US" dirty="0"/>
-                    </a:p>
-                  </a:txBody>
-                  <a:tcPr>
-                    <a:lnL w="12700" cap="flat" cmpd="sng" algn="ctr">
-                      <a:solidFill>
-                        <a:schemeClr val="tx1"/>
-                      </a:solidFill>
-                      <a:prstDash val="solid"/>
-                      <a:round/>
-                      <a:headEnd type="none" w="med" len="med"/>
-                      <a:tailEnd type="none" w="med" len="med"/>
-                    </a:lnL>
-                    <a:lnR w="12700" cap="flat" cmpd="sng" algn="ctr">
-                      <a:solidFill>
-                        <a:schemeClr val="tx1"/>
-                      </a:solidFill>
-                      <a:prstDash val="solid"/>
-                      <a:round/>
-                      <a:headEnd type="none" w="med" len="med"/>
-                      <a:tailEnd type="none" w="med" len="med"/>
-                    </a:lnR>
-                    <a:lnT w="12700" cap="flat" cmpd="sng" algn="ctr">
-                      <a:solidFill>
-                        <a:schemeClr val="tx1"/>
-                      </a:solidFill>
-                      <a:prstDash val="solid"/>
-                      <a:round/>
-                      <a:headEnd type="none" w="med" len="med"/>
-                      <a:tailEnd type="none" w="med" len="med"/>
-                    </a:lnT>
-                    <a:lnB w="12700" cap="flat" cmpd="sng" algn="ctr">
-                      <a:solidFill>
-                        <a:schemeClr val="tx1"/>
-                      </a:solidFill>
-                      <a:prstDash val="solid"/>
-                      <a:round/>
-                      <a:headEnd type="none" w="med" len="med"/>
-                      <a:tailEnd type="none" w="med" len="med"/>
-                    </a:lnB>
-                    <a:lnTlToBr w="12700" cmpd="sng">
-                      <a:noFill/>
-                      <a:prstDash val="solid"/>
-                    </a:lnTlToBr>
-                    <a:lnBlToTr w="12700" cmpd="sng">
-                      <a:noFill/>
-                      <a:prstDash val="solid"/>
-                    </a:lnBlToTr>
-                    <a:solidFill>
-                      <a:schemeClr val="bg2">
-                        <a:lumMod val="90000"/>
-                      </a:schemeClr>
-                    </a:solidFill>
-                  </a:tcPr>
-                </a:tc>
-                <a:tc>
-                  <a:txBody>
-                    <a:bodyPr/>
-                    <a:lstStyle/>
-                    <a:p>
-                      <a:r>
-                        <a:rPr lang="en-US" altLang="zh-TW" dirty="0"/>
-                        <a:t>W t[0]</a:t>
-                      </a:r>
-                      <a:endParaRPr lang="zh-TW" altLang="en-US" dirty="0"/>
-                    </a:p>
-                  </a:txBody>
-                  <a:tcPr>
-                    <a:lnL w="12700" cap="flat" cmpd="sng" algn="ctr">
-                      <a:solidFill>
-                        <a:schemeClr val="tx1"/>
-                      </a:solidFill>
-                      <a:prstDash val="solid"/>
-                      <a:round/>
-                      <a:headEnd type="none" w="med" len="med"/>
-                      <a:tailEnd type="none" w="med" len="med"/>
-                    </a:lnL>
-                    <a:lnR w="12700" cap="flat" cmpd="sng" algn="ctr">
-                      <a:solidFill>
-                        <a:schemeClr val="tx1"/>
-                      </a:solidFill>
-                      <a:prstDash val="solid"/>
-                      <a:round/>
-                      <a:headEnd type="none" w="med" len="med"/>
-                      <a:tailEnd type="none" w="med" len="med"/>
-                    </a:lnR>
-                    <a:lnT w="12700" cap="flat" cmpd="sng" algn="ctr">
-                      <a:solidFill>
-                        <a:schemeClr val="tx1"/>
-                      </a:solidFill>
-                      <a:prstDash val="solid"/>
-                      <a:round/>
-                      <a:headEnd type="none" w="med" len="med"/>
-                      <a:tailEnd type="none" w="med" len="med"/>
-                    </a:lnT>
-                    <a:lnB w="12700" cap="flat" cmpd="sng" algn="ctr">
-                      <a:solidFill>
-                        <a:schemeClr val="tx1"/>
-                      </a:solidFill>
-                      <a:prstDash val="solid"/>
-                      <a:round/>
-                      <a:headEnd type="none" w="med" len="med"/>
-                      <a:tailEnd type="none" w="med" len="med"/>
-                    </a:lnB>
-                    <a:lnTlToBr w="12700" cmpd="sng">
-                      <a:noFill/>
-                      <a:prstDash val="solid"/>
-                    </a:lnTlToBr>
-                    <a:lnBlToTr w="12700" cmpd="sng">
-                      <a:noFill/>
-                      <a:prstDash val="solid"/>
-                    </a:lnBlToTr>
-                    <a:solidFill>
-                      <a:schemeClr val="bg2">
-                        <a:lumMod val="90000"/>
-                      </a:schemeClr>
-                    </a:solidFill>
-                  </a:tcPr>
-                </a:tc>
-                <a:tc>
-                  <a:txBody>
-                    <a:bodyPr/>
-                    <a:lstStyle/>
-                    <a:p>
-                      <a:endParaRPr lang="zh-TW" altLang="en-US"/>
-                    </a:p>
-                  </a:txBody>
-                  <a:tcPr>
-                    <a:lnL w="12700" cap="flat" cmpd="sng" algn="ctr">
-                      <a:solidFill>
-                        <a:schemeClr val="tx1"/>
-                      </a:solidFill>
-                      <a:prstDash val="solid"/>
-                      <a:round/>
-                      <a:headEnd type="none" w="med" len="med"/>
-                      <a:tailEnd type="none" w="med" len="med"/>
-                    </a:lnL>
-                    <a:lnR w="12700" cap="flat" cmpd="sng" algn="ctr">
-                      <a:solidFill>
-                        <a:schemeClr val="tx1"/>
-                      </a:solidFill>
-                      <a:prstDash val="solid"/>
-                      <a:round/>
-                      <a:headEnd type="none" w="med" len="med"/>
-                      <a:tailEnd type="none" w="med" len="med"/>
-                    </a:lnR>
-                    <a:lnT w="12700" cap="flat" cmpd="sng" algn="ctr">
-                      <a:solidFill>
-                        <a:schemeClr val="tx1"/>
-                      </a:solidFill>
-                      <a:prstDash val="solid"/>
-                      <a:round/>
-                      <a:headEnd type="none" w="med" len="med"/>
-                      <a:tailEnd type="none" w="med" len="med"/>
-                    </a:lnT>
-                    <a:lnB w="12700" cap="flat" cmpd="sng" algn="ctr">
-                      <a:solidFill>
-                        <a:schemeClr val="tx1"/>
-                      </a:solidFill>
-                      <a:prstDash val="solid"/>
-                      <a:round/>
-                      <a:headEnd type="none" w="med" len="med"/>
-                      <a:tailEnd type="none" w="med" len="med"/>
-                    </a:lnB>
-                    <a:lnTlToBr w="12700" cmpd="sng">
-                      <a:noFill/>
-                      <a:prstDash val="solid"/>
-                    </a:lnTlToBr>
-                    <a:lnBlToTr w="12700" cmpd="sng">
-                      <a:noFill/>
-                      <a:prstDash val="solid"/>
-                    </a:lnBlToTr>
-                    <a:noFill/>
-                  </a:tcPr>
-                </a:tc>
-                <a:tc>
-                  <a:txBody>
-                    <a:bodyPr/>
-                    <a:lstStyle/>
-                    <a:p>
-                      <a:endParaRPr lang="zh-TW" altLang="en-US"/>
-                    </a:p>
-                  </a:txBody>
-                  <a:tcPr>
-                    <a:lnL w="12700" cap="flat" cmpd="sng" algn="ctr">
-                      <a:solidFill>
-                        <a:schemeClr val="tx1"/>
-                      </a:solidFill>
-                      <a:prstDash val="solid"/>
-                      <a:round/>
-                      <a:headEnd type="none" w="med" len="med"/>
-                      <a:tailEnd type="none" w="med" len="med"/>
-                    </a:lnL>
-                    <a:lnR w="12700" cap="flat" cmpd="sng" algn="ctr">
-                      <a:solidFill>
-                        <a:schemeClr val="tx1"/>
-                      </a:solidFill>
-                      <a:prstDash val="solid"/>
-                      <a:round/>
-                      <a:headEnd type="none" w="med" len="med"/>
-                      <a:tailEnd type="none" w="med" len="med"/>
-                    </a:lnR>
-                    <a:lnT w="12700" cap="flat" cmpd="sng" algn="ctr">
-                      <a:solidFill>
-                        <a:schemeClr val="tx1"/>
-                      </a:solidFill>
-                      <a:prstDash val="solid"/>
-                      <a:round/>
-                      <a:headEnd type="none" w="med" len="med"/>
-                      <a:tailEnd type="none" w="med" len="med"/>
-                    </a:lnT>
-                    <a:lnB w="12700" cap="flat" cmpd="sng" algn="ctr">
-                      <a:solidFill>
-                        <a:schemeClr val="tx1"/>
-                      </a:solidFill>
-                      <a:prstDash val="solid"/>
-                      <a:round/>
-                      <a:headEnd type="none" w="med" len="med"/>
-                      <a:tailEnd type="none" w="med" len="med"/>
-                    </a:lnB>
-                    <a:lnTlToBr w="12700" cmpd="sng">
-                      <a:noFill/>
-                      <a:prstDash val="solid"/>
-                    </a:lnTlToBr>
-                    <a:lnBlToTr w="12700" cmpd="sng">
-                      <a:noFill/>
-                      <a:prstDash val="solid"/>
-                    </a:lnBlToTr>
-                    <a:noFill/>
-                  </a:tcPr>
-                </a:tc>
-                <a:tc>
-                  <a:txBody>
-                    <a:bodyPr/>
-                    <a:lstStyle/>
-                    <a:p>
-                      <a:endParaRPr lang="zh-TW" altLang="en-US"/>
-                    </a:p>
-                  </a:txBody>
-                  <a:tcPr>
-                    <a:lnL w="12700" cap="flat" cmpd="sng" algn="ctr">
-                      <a:solidFill>
-                        <a:schemeClr val="tx1"/>
-                      </a:solidFill>
-                      <a:prstDash val="solid"/>
-                      <a:round/>
-                      <a:headEnd type="none" w="med" len="med"/>
-                      <a:tailEnd type="none" w="med" len="med"/>
-                    </a:lnL>
-                    <a:lnR w="12700" cap="flat" cmpd="sng" algn="ctr">
-                      <a:solidFill>
-                        <a:schemeClr val="tx1"/>
-                      </a:solidFill>
-                      <a:prstDash val="solid"/>
-                      <a:round/>
-                      <a:headEnd type="none" w="med" len="med"/>
-                      <a:tailEnd type="none" w="med" len="med"/>
-                    </a:lnR>
-                    <a:lnT w="12700" cap="flat" cmpd="sng" algn="ctr">
-                      <a:solidFill>
-                        <a:schemeClr val="tx1"/>
-                      </a:solidFill>
-                      <a:prstDash val="solid"/>
-                      <a:round/>
-                      <a:headEnd type="none" w="med" len="med"/>
-                      <a:tailEnd type="none" w="med" len="med"/>
-                    </a:lnT>
-                    <a:lnB w="12700" cap="flat" cmpd="sng" algn="ctr">
-                      <a:solidFill>
-                        <a:schemeClr val="tx1"/>
-                      </a:solidFill>
-                      <a:prstDash val="solid"/>
-                      <a:round/>
-                      <a:headEnd type="none" w="med" len="med"/>
-                      <a:tailEnd type="none" w="med" len="med"/>
-                    </a:lnB>
-                    <a:lnTlToBr w="12700" cmpd="sng">
-                      <a:noFill/>
-                      <a:prstDash val="solid"/>
-                    </a:lnTlToBr>
-                    <a:lnBlToTr w="12700" cmpd="sng">
-                      <a:noFill/>
-                      <a:prstDash val="solid"/>
-                    </a:lnBlToTr>
-                    <a:noFill/>
-                  </a:tcPr>
-                </a:tc>
-                <a:tc>
-                  <a:txBody>
-                    <a:bodyPr/>
-                    <a:lstStyle/>
-                    <a:p>
-                      <a:endParaRPr lang="zh-TW" altLang="en-US" dirty="0"/>
-                    </a:p>
-                  </a:txBody>
-                  <a:tcPr>
-                    <a:lnL w="12700" cap="flat" cmpd="sng" algn="ctr">
-                      <a:solidFill>
-                        <a:schemeClr val="tx1"/>
-                      </a:solidFill>
-                      <a:prstDash val="solid"/>
-                      <a:round/>
-                      <a:headEnd type="none" w="med" len="med"/>
-                      <a:tailEnd type="none" w="med" len="med"/>
-                    </a:lnL>
-                    <a:lnR w="12700" cap="flat" cmpd="sng" algn="ctr">
-                      <a:solidFill>
-                        <a:schemeClr val="tx1"/>
-                      </a:solidFill>
-                      <a:prstDash val="solid"/>
-                      <a:round/>
-                      <a:headEnd type="none" w="med" len="med"/>
-                      <a:tailEnd type="none" w="med" len="med"/>
-                    </a:lnR>
-                    <a:lnT w="12700" cap="flat" cmpd="sng" algn="ctr">
-                      <a:solidFill>
-                        <a:schemeClr val="tx1"/>
-                      </a:solidFill>
-                      <a:prstDash val="solid"/>
-                      <a:round/>
-                      <a:headEnd type="none" w="med" len="med"/>
-                      <a:tailEnd type="none" w="med" len="med"/>
-                    </a:lnT>
-                    <a:lnB w="12700" cap="flat" cmpd="sng" algn="ctr">
-                      <a:solidFill>
-                        <a:schemeClr val="tx1"/>
-                      </a:solidFill>
-                      <a:prstDash val="solid"/>
-                      <a:round/>
-                      <a:headEnd type="none" w="med" len="med"/>
-                      <a:tailEnd type="none" w="med" len="med"/>
-                    </a:lnB>
-                    <a:lnTlToBr w="12700" cmpd="sng">
-                      <a:noFill/>
-                      <a:prstDash val="solid"/>
-                    </a:lnTlToBr>
-                    <a:lnBlToTr w="12700" cmpd="sng">
-                      <a:noFill/>
-                      <a:prstDash val="solid"/>
-                    </a:lnBlToTr>
-                    <a:noFill/>
-                  </a:tcPr>
-                </a:tc>
-                <a:extLst>
-                  <a:ext uri="{0D108BD9-81ED-4DB2-BD59-A6C34878D82A}">
-                    <a16:rowId xmlns:a16="http://schemas.microsoft.com/office/drawing/2014/main" val="2479194075"/>
-                  </a:ext>
-                </a:extLst>
-              </a:tr>
-              <a:tr h="370840">
-                <a:tc>
-                  <a:txBody>
-                    <a:bodyPr/>
-                    <a:lstStyle/>
-                    <a:p>
-                      <a:endParaRPr lang="zh-TW" altLang="en-US"/>
-                    </a:p>
-                  </a:txBody>
-                  <a:tcPr>
-                    <a:lnL w="12700" cap="flat" cmpd="sng" algn="ctr">
-                      <a:solidFill>
-                        <a:schemeClr val="tx1"/>
-                      </a:solidFill>
-                      <a:prstDash val="solid"/>
-                      <a:round/>
-                      <a:headEnd type="none" w="med" len="med"/>
-                      <a:tailEnd type="none" w="med" len="med"/>
-                    </a:lnL>
-                    <a:lnR w="12700" cap="flat" cmpd="sng" algn="ctr">
-                      <a:solidFill>
-                        <a:schemeClr val="tx1"/>
-                      </a:solidFill>
-                      <a:prstDash val="solid"/>
-                      <a:round/>
-                      <a:headEnd type="none" w="med" len="med"/>
-                      <a:tailEnd type="none" w="med" len="med"/>
-                    </a:lnR>
-                    <a:lnT w="12700" cap="flat" cmpd="sng" algn="ctr">
-                      <a:solidFill>
-                        <a:schemeClr val="tx1"/>
-                      </a:solidFill>
-                      <a:prstDash val="solid"/>
-                      <a:round/>
-                      <a:headEnd type="none" w="med" len="med"/>
-                      <a:tailEnd type="none" w="med" len="med"/>
-                    </a:lnT>
-                    <a:lnB w="12700" cap="flat" cmpd="sng" algn="ctr">
-                      <a:solidFill>
-                        <a:schemeClr val="tx1"/>
-                      </a:solidFill>
-                      <a:prstDash val="solid"/>
-                      <a:round/>
-                      <a:headEnd type="none" w="med" len="med"/>
-                      <a:tailEnd type="none" w="med" len="med"/>
-                    </a:lnB>
-                    <a:lnTlToBr w="12700" cmpd="sng">
-                      <a:noFill/>
-                      <a:prstDash val="solid"/>
-                    </a:lnTlToBr>
-                    <a:lnBlToTr w="12700" cmpd="sng">
-                      <a:noFill/>
-                      <a:prstDash val="solid"/>
-                    </a:lnBlToTr>
-                    <a:noFill/>
-                  </a:tcPr>
-                </a:tc>
-                <a:tc>
-                  <a:txBody>
-                    <a:bodyPr/>
-                    <a:lstStyle/>
-                    <a:p>
-                      <a:endParaRPr lang="zh-TW" altLang="en-US" dirty="0"/>
-                    </a:p>
-                  </a:txBody>
-                  <a:tcPr>
-                    <a:lnL w="12700" cap="flat" cmpd="sng" algn="ctr">
-                      <a:solidFill>
-                        <a:schemeClr val="tx1"/>
-                      </a:solidFill>
-                      <a:prstDash val="solid"/>
-                      <a:round/>
-                      <a:headEnd type="none" w="med" len="med"/>
-                      <a:tailEnd type="none" w="med" len="med"/>
-                    </a:lnL>
-                    <a:lnR w="12700" cap="flat" cmpd="sng" algn="ctr">
-                      <a:solidFill>
-                        <a:schemeClr val="tx1"/>
-                      </a:solidFill>
-                      <a:prstDash val="solid"/>
-                      <a:round/>
-                      <a:headEnd type="none" w="med" len="med"/>
-                      <a:tailEnd type="none" w="med" len="med"/>
-                    </a:lnR>
-                    <a:lnT w="12700" cap="flat" cmpd="sng" algn="ctr">
-                      <a:solidFill>
-                        <a:schemeClr val="tx1"/>
-                      </a:solidFill>
-                      <a:prstDash val="solid"/>
-                      <a:round/>
-                      <a:headEnd type="none" w="med" len="med"/>
-                      <a:tailEnd type="none" w="med" len="med"/>
-                    </a:lnT>
-                    <a:lnB w="12700" cap="flat" cmpd="sng" algn="ctr">
-                      <a:solidFill>
-                        <a:schemeClr val="tx1"/>
-                      </a:solidFill>
-                      <a:prstDash val="solid"/>
-                      <a:round/>
-                      <a:headEnd type="none" w="med" len="med"/>
-                      <a:tailEnd type="none" w="med" len="med"/>
-                    </a:lnB>
-                    <a:lnTlToBr w="12700" cmpd="sng">
-                      <a:noFill/>
-                      <a:prstDash val="solid"/>
-                    </a:lnTlToBr>
-                    <a:lnBlToTr w="12700" cmpd="sng">
-                      <a:noFill/>
-                      <a:prstDash val="solid"/>
-                    </a:lnBlToTr>
-                    <a:noFill/>
-                  </a:tcPr>
-                </a:tc>
-                <a:tc>
-                  <a:txBody>
-                    <a:bodyPr/>
-                    <a:lstStyle/>
-                    <a:p>
-                      <a:endParaRPr lang="zh-TW" altLang="en-US" dirty="0"/>
-                    </a:p>
-                  </a:txBody>
-                  <a:tcPr>
-                    <a:lnL w="12700" cap="flat" cmpd="sng" algn="ctr">
-                      <a:solidFill>
-                        <a:schemeClr val="tx1"/>
-                      </a:solidFill>
-                      <a:prstDash val="solid"/>
-                      <a:round/>
-                      <a:headEnd type="none" w="med" len="med"/>
-                      <a:tailEnd type="none" w="med" len="med"/>
-                    </a:lnL>
-                    <a:lnR w="12700" cap="flat" cmpd="sng" algn="ctr">
-                      <a:solidFill>
-                        <a:schemeClr val="tx1"/>
-                      </a:solidFill>
-                      <a:prstDash val="solid"/>
-                      <a:round/>
-                      <a:headEnd type="none" w="med" len="med"/>
-                      <a:tailEnd type="none" w="med" len="med"/>
-                    </a:lnR>
-                    <a:lnT w="12700" cap="flat" cmpd="sng" algn="ctr">
-                      <a:solidFill>
-                        <a:schemeClr val="tx1"/>
-                      </a:solidFill>
-                      <a:prstDash val="solid"/>
-                      <a:round/>
-                      <a:headEnd type="none" w="med" len="med"/>
-                      <a:tailEnd type="none" w="med" len="med"/>
-                    </a:lnT>
-                    <a:lnB w="12700" cap="flat" cmpd="sng" algn="ctr">
-                      <a:solidFill>
-                        <a:schemeClr val="tx1"/>
-                      </a:solidFill>
-                      <a:prstDash val="solid"/>
-                      <a:round/>
-                      <a:headEnd type="none" w="med" len="med"/>
-                      <a:tailEnd type="none" w="med" len="med"/>
-                    </a:lnB>
-                    <a:lnTlToBr w="12700" cmpd="sng">
-                      <a:noFill/>
-                      <a:prstDash val="solid"/>
-                    </a:lnTlToBr>
-                    <a:lnBlToTr w="12700" cmpd="sng">
-                      <a:noFill/>
-                      <a:prstDash val="solid"/>
-                    </a:lnBlToTr>
-                    <a:noFill/>
-                  </a:tcPr>
-                </a:tc>
-                <a:tc>
-                  <a:txBody>
-                    <a:bodyPr/>
-                    <a:lstStyle/>
-                    <a:p>
-                      <a:endParaRPr lang="zh-TW" altLang="en-US" dirty="0"/>
-                    </a:p>
-                  </a:txBody>
-                  <a:tcPr>
-                    <a:lnL w="12700" cap="flat" cmpd="sng" algn="ctr">
-                      <a:solidFill>
-                        <a:schemeClr val="tx1"/>
-                      </a:solidFill>
-                      <a:prstDash val="solid"/>
-                      <a:round/>
-                      <a:headEnd type="none" w="med" len="med"/>
-                      <a:tailEnd type="none" w="med" len="med"/>
-                    </a:lnL>
-                    <a:lnR w="12700" cap="flat" cmpd="sng" algn="ctr">
-                      <a:solidFill>
-                        <a:schemeClr val="tx1"/>
-                      </a:solidFill>
-                      <a:prstDash val="solid"/>
-                      <a:round/>
-                      <a:headEnd type="none" w="med" len="med"/>
-                      <a:tailEnd type="none" w="med" len="med"/>
-                    </a:lnR>
-                    <a:lnT w="12700" cap="flat" cmpd="sng" algn="ctr">
-                      <a:solidFill>
-                        <a:schemeClr val="tx1"/>
-                      </a:solidFill>
-                      <a:prstDash val="solid"/>
-                      <a:round/>
-                      <a:headEnd type="none" w="med" len="med"/>
-                      <a:tailEnd type="none" w="med" len="med"/>
-                    </a:lnT>
-                    <a:lnB w="12700" cap="flat" cmpd="sng" algn="ctr">
-                      <a:solidFill>
-                        <a:schemeClr val="tx1"/>
-                      </a:solidFill>
-                      <a:prstDash val="solid"/>
-                      <a:round/>
-                      <a:headEnd type="none" w="med" len="med"/>
-                      <a:tailEnd type="none" w="med" len="med"/>
-                    </a:lnB>
-                    <a:lnTlToBr w="12700" cmpd="sng">
-                      <a:noFill/>
-                      <a:prstDash val="solid"/>
-                    </a:lnTlToBr>
-                    <a:lnBlToTr w="12700" cmpd="sng">
-                      <a:noFill/>
-                      <a:prstDash val="solid"/>
-                    </a:lnBlToTr>
-                    <a:noFill/>
-                  </a:tcPr>
-                </a:tc>
-                <a:tc>
-                  <a:txBody>
-                    <a:bodyPr/>
-                    <a:lstStyle/>
-                    <a:p>
-                      <a:endParaRPr lang="zh-TW" altLang="en-US" dirty="0"/>
-                    </a:p>
-                  </a:txBody>
-                  <a:tcPr>
-                    <a:lnL w="12700" cap="flat" cmpd="sng" algn="ctr">
-                      <a:solidFill>
-                        <a:schemeClr val="tx1"/>
-                      </a:solidFill>
-                      <a:prstDash val="solid"/>
-                      <a:round/>
-                      <a:headEnd type="none" w="med" len="med"/>
-                      <a:tailEnd type="none" w="med" len="med"/>
-                    </a:lnL>
-                    <a:lnR w="12700" cap="flat" cmpd="sng" algn="ctr">
-                      <a:solidFill>
-                        <a:schemeClr val="tx1"/>
-                      </a:solidFill>
-                      <a:prstDash val="solid"/>
-                      <a:round/>
-                      <a:headEnd type="none" w="med" len="med"/>
-                      <a:tailEnd type="none" w="med" len="med"/>
-                    </a:lnR>
-                    <a:lnT w="12700" cap="flat" cmpd="sng" algn="ctr">
-                      <a:solidFill>
-                        <a:schemeClr val="tx1"/>
-                      </a:solidFill>
-                      <a:prstDash val="solid"/>
-                      <a:round/>
-                      <a:headEnd type="none" w="med" len="med"/>
-                      <a:tailEnd type="none" w="med" len="med"/>
-                    </a:lnT>
-                    <a:lnB w="12700" cap="flat" cmpd="sng" algn="ctr">
-                      <a:solidFill>
-                        <a:schemeClr val="tx1"/>
-                      </a:solidFill>
-                      <a:prstDash val="solid"/>
-                      <a:round/>
-                      <a:headEnd type="none" w="med" len="med"/>
-                      <a:tailEnd type="none" w="med" len="med"/>
-                    </a:lnB>
-                    <a:lnTlToBr w="12700" cmpd="sng">
-                      <a:noFill/>
-                      <a:prstDash val="solid"/>
-                    </a:lnTlToBr>
-                    <a:lnBlToTr w="12700" cmpd="sng">
-                      <a:noFill/>
-                      <a:prstDash val="solid"/>
-                    </a:lnBlToTr>
-                    <a:solidFill>
-                      <a:schemeClr val="bg1"/>
-                    </a:solidFill>
-                  </a:tcPr>
-                </a:tc>
-                <a:tc>
-                  <a:txBody>
-                    <a:bodyPr/>
-                    <a:lstStyle/>
-                    <a:p>
-                      <a:r>
-                        <a:rPr lang="en-US" altLang="zh-TW" dirty="0"/>
-                        <a:t>R t[0]</a:t>
-                      </a:r>
-                      <a:endParaRPr lang="zh-TW" altLang="en-US" dirty="0"/>
-                    </a:p>
-                  </a:txBody>
-                  <a:tcPr>
-                    <a:lnL w="12700" cap="flat" cmpd="sng" algn="ctr">
-                      <a:solidFill>
-                        <a:schemeClr val="tx1"/>
-                      </a:solidFill>
-                      <a:prstDash val="solid"/>
-                      <a:round/>
-                      <a:headEnd type="none" w="med" len="med"/>
-                      <a:tailEnd type="none" w="med" len="med"/>
-                    </a:lnL>
-                    <a:lnR w="12700" cap="flat" cmpd="sng" algn="ctr">
-                      <a:solidFill>
-                        <a:schemeClr val="tx1"/>
-                      </a:solidFill>
-                      <a:prstDash val="solid"/>
-                      <a:round/>
-                      <a:headEnd type="none" w="med" len="med"/>
-                      <a:tailEnd type="none" w="med" len="med"/>
-                    </a:lnR>
-                    <a:lnT w="12700" cap="flat" cmpd="sng" algn="ctr">
-                      <a:solidFill>
-                        <a:schemeClr val="tx1"/>
-                      </a:solidFill>
-                      <a:prstDash val="solid"/>
-                      <a:round/>
-                      <a:headEnd type="none" w="med" len="med"/>
-                      <a:tailEnd type="none" w="med" len="med"/>
-                    </a:lnT>
-                    <a:lnB w="12700" cap="flat" cmpd="sng" algn="ctr">
-                      <a:solidFill>
-                        <a:schemeClr val="tx1"/>
-                      </a:solidFill>
-                      <a:prstDash val="solid"/>
-                      <a:round/>
-                      <a:headEnd type="none" w="med" len="med"/>
-                      <a:tailEnd type="none" w="med" len="med"/>
-                    </a:lnB>
-                    <a:lnTlToBr w="12700" cmpd="sng">
-                      <a:noFill/>
-                      <a:prstDash val="solid"/>
-                    </a:lnTlToBr>
-                    <a:lnBlToTr w="12700" cmpd="sng">
-                      <a:noFill/>
-                      <a:prstDash val="solid"/>
-                    </a:lnBlToTr>
-                    <a:solidFill>
-                      <a:schemeClr val="bg2">
-                        <a:lumMod val="90000"/>
-                      </a:schemeClr>
-                    </a:solidFill>
-                  </a:tcPr>
-                </a:tc>
-                <a:tc>
-                  <a:txBody>
-                    <a:bodyPr/>
-                    <a:lstStyle/>
-                    <a:p>
-                      <a:r>
-                        <a:rPr lang="en-US" altLang="zh-TW" dirty="0"/>
-                        <a:t>R A[0, 1]</a:t>
-                      </a:r>
-                      <a:endParaRPr lang="zh-TW" altLang="en-US" dirty="0"/>
-                    </a:p>
-                  </a:txBody>
-                  <a:tcPr>
-                    <a:lnL w="12700" cap="flat" cmpd="sng" algn="ctr">
-                      <a:solidFill>
-                        <a:schemeClr val="tx1"/>
-                      </a:solidFill>
-                      <a:prstDash val="solid"/>
-                      <a:round/>
-                      <a:headEnd type="none" w="med" len="med"/>
-                      <a:tailEnd type="none" w="med" len="med"/>
-                    </a:lnL>
-                    <a:lnR w="12700" cap="flat" cmpd="sng" algn="ctr">
-                      <a:solidFill>
-                        <a:schemeClr val="tx1"/>
-                      </a:solidFill>
-                      <a:prstDash val="solid"/>
-                      <a:round/>
-                      <a:headEnd type="none" w="med" len="med"/>
-                      <a:tailEnd type="none" w="med" len="med"/>
-                    </a:lnR>
-                    <a:lnT w="12700" cap="flat" cmpd="sng" algn="ctr">
-                      <a:solidFill>
-                        <a:schemeClr val="tx1"/>
-                      </a:solidFill>
-                      <a:prstDash val="solid"/>
-                      <a:round/>
-                      <a:headEnd type="none" w="med" len="med"/>
-                      <a:tailEnd type="none" w="med" len="med"/>
-                    </a:lnT>
-                    <a:lnB w="12700" cap="flat" cmpd="sng" algn="ctr">
-                      <a:solidFill>
-                        <a:schemeClr val="tx1"/>
-                      </a:solidFill>
-                      <a:prstDash val="solid"/>
-                      <a:round/>
-                      <a:headEnd type="none" w="med" len="med"/>
-                      <a:tailEnd type="none" w="med" len="med"/>
-                    </a:lnB>
-                    <a:lnTlToBr w="12700" cmpd="sng">
-                      <a:noFill/>
-                      <a:prstDash val="solid"/>
-                    </a:lnTlToBr>
-                    <a:lnBlToTr w="12700" cmpd="sng">
-                      <a:noFill/>
-                      <a:prstDash val="solid"/>
-                    </a:lnBlToTr>
-                    <a:solidFill>
-                      <a:schemeClr val="bg2">
-                        <a:lumMod val="90000"/>
-                      </a:schemeClr>
-                    </a:solidFill>
-                  </a:tcPr>
-                </a:tc>
-                <a:tc>
-                  <a:txBody>
-                    <a:bodyPr/>
-                    <a:lstStyle/>
-                    <a:p>
-                      <a:r>
-                        <a:rPr lang="en-US" altLang="zh-TW" dirty="0">
-                          <a:solidFill>
-                            <a:srgbClr val="FF0000"/>
-                          </a:solidFill>
-                        </a:rPr>
-                        <a:t>R B[1, 0]</a:t>
-                      </a:r>
-                      <a:endParaRPr lang="zh-TW" altLang="en-US" dirty="0">
-                        <a:solidFill>
-                          <a:srgbClr val="FF0000"/>
-                        </a:solidFill>
-                      </a:endParaRPr>
-                    </a:p>
-                  </a:txBody>
-                  <a:tcPr>
-                    <a:lnL w="12700" cap="flat" cmpd="sng" algn="ctr">
-                      <a:solidFill>
-                        <a:schemeClr val="tx1"/>
-                      </a:solidFill>
-                      <a:prstDash val="solid"/>
-                      <a:round/>
-                      <a:headEnd type="none" w="med" len="med"/>
-                      <a:tailEnd type="none" w="med" len="med"/>
-                    </a:lnL>
-                    <a:lnR w="12700" cap="flat" cmpd="sng" algn="ctr">
-                      <a:solidFill>
-                        <a:schemeClr val="tx1"/>
-                      </a:solidFill>
-                      <a:prstDash val="solid"/>
-                      <a:round/>
-                      <a:headEnd type="none" w="med" len="med"/>
-                      <a:tailEnd type="none" w="med" len="med"/>
-                    </a:lnR>
-                    <a:lnT w="12700" cap="flat" cmpd="sng" algn="ctr">
-                      <a:solidFill>
-                        <a:schemeClr val="tx1"/>
-                      </a:solidFill>
-                      <a:prstDash val="solid"/>
-                      <a:round/>
-                      <a:headEnd type="none" w="med" len="med"/>
-                      <a:tailEnd type="none" w="med" len="med"/>
-                    </a:lnT>
-                    <a:lnB w="12700" cap="flat" cmpd="sng" algn="ctr">
-                      <a:solidFill>
-                        <a:schemeClr val="tx1"/>
-                      </a:solidFill>
-                      <a:prstDash val="solid"/>
-                      <a:round/>
-                      <a:headEnd type="none" w="med" len="med"/>
-                      <a:tailEnd type="none" w="med" len="med"/>
-                    </a:lnB>
-                    <a:lnTlToBr w="12700" cmpd="sng">
-                      <a:noFill/>
-                      <a:prstDash val="solid"/>
-                    </a:lnTlToBr>
-                    <a:lnBlToTr w="12700" cmpd="sng">
-                      <a:noFill/>
-                      <a:prstDash val="solid"/>
-                    </a:lnBlToTr>
-                    <a:solidFill>
-                      <a:schemeClr val="bg2">
-                        <a:lumMod val="90000"/>
-                      </a:schemeClr>
-                    </a:solidFill>
-                  </a:tcPr>
-                </a:tc>
-                <a:tc>
-                  <a:txBody>
-                    <a:bodyPr/>
-                    <a:lstStyle/>
-                    <a:p>
-                      <a:endParaRPr lang="zh-TW" altLang="en-US" dirty="0"/>
-                    </a:p>
-                  </a:txBody>
-                  <a:tcPr>
-                    <a:lnL w="12700" cap="flat" cmpd="sng" algn="ctr">
-                      <a:solidFill>
-                        <a:schemeClr val="tx1"/>
-                      </a:solidFill>
-                      <a:prstDash val="solid"/>
-                      <a:round/>
-                      <a:headEnd type="none" w="med" len="med"/>
-                      <a:tailEnd type="none" w="med" len="med"/>
-                    </a:lnL>
-                    <a:lnR w="12700" cap="flat" cmpd="sng" algn="ctr">
-                      <a:solidFill>
-                        <a:schemeClr val="tx1"/>
-                      </a:solidFill>
-                      <a:prstDash val="solid"/>
-                      <a:round/>
-                      <a:headEnd type="none" w="med" len="med"/>
-                      <a:tailEnd type="none" w="med" len="med"/>
-                    </a:lnR>
-                    <a:lnT w="12700" cap="flat" cmpd="sng" algn="ctr">
-                      <a:solidFill>
-                        <a:schemeClr val="tx1"/>
-                      </a:solidFill>
-                      <a:prstDash val="solid"/>
-                      <a:round/>
-                      <a:headEnd type="none" w="med" len="med"/>
-                      <a:tailEnd type="none" w="med" len="med"/>
-                    </a:lnT>
-                    <a:lnB w="12700" cap="flat" cmpd="sng" algn="ctr">
-                      <a:solidFill>
-                        <a:schemeClr val="tx1"/>
-                      </a:solidFill>
-                      <a:prstDash val="solid"/>
-                      <a:round/>
-                      <a:headEnd type="none" w="med" len="med"/>
-                      <a:tailEnd type="none" w="med" len="med"/>
-                    </a:lnB>
-                    <a:lnTlToBr w="12700" cmpd="sng">
-                      <a:noFill/>
-                      <a:prstDash val="solid"/>
-                    </a:lnTlToBr>
-                    <a:lnBlToTr w="12700" cmpd="sng">
-                      <a:noFill/>
-                      <a:prstDash val="solid"/>
-                    </a:lnBlToTr>
-                    <a:noFill/>
-                  </a:tcPr>
-                </a:tc>
-                <a:extLst>
-                  <a:ext uri="{0D108BD9-81ED-4DB2-BD59-A6C34878D82A}">
-                    <a16:rowId xmlns:a16="http://schemas.microsoft.com/office/drawing/2014/main" val="4167768605"/>
-                  </a:ext>
-                </a:extLst>
-              </a:tr>
-            </a:tbl>
-          </a:graphicData>
-        </a:graphic>
-      </p:graphicFrame>
-      <p:cxnSp>
-        <p:nvCxnSpPr>
-          <p:cNvPr id="10" name="直線單箭頭接點 9">
-            <a:extLst>
-              <a:ext uri="{FF2B5EF4-FFF2-40B4-BE49-F238E27FC236}">
-                <a16:creationId xmlns:a16="http://schemas.microsoft.com/office/drawing/2014/main" id="{9A4F7823-1AC3-49E8-BA52-33F307700E42}"/>
-              </a:ext>
-            </a:extLst>
-          </p:cNvPr>
-          <p:cNvCxnSpPr/>
+          <p:cNvSpPr/>
           <p:nvPr/>
-        </p:nvCxnSpPr>
+        </p:nvSpPr>
         <p:spPr>
-          <a:xfrm flipV="1">
-            <a:off x="8015286" y="1727409"/>
-            <a:ext cx="1400175" cy="523875"/>
+          <a:xfrm>
+            <a:off x="7244179" y="2396971"/>
+            <a:ext cx="408372" cy="1526959"/>
           </a:xfrm>
-          <a:prstGeom prst="straightConnector1">
+          <a:prstGeom prst="rightBracket">
             <a:avLst/>
           </a:prstGeom>
-          <a:ln w="38100">
+          <a:ln w="76200">
             <a:solidFill>
               <a:srgbClr val="FF0000"/>
             </a:solidFill>
-            <a:headEnd type="none" w="med" len="med"/>
-            <a:tailEnd type="arrow" w="med" len="med"/>
           </a:ln>
         </p:spPr>
         <p:style>
@@ -42977,13 +39595,21 @@
             <a:schemeClr val="tx1"/>
           </a:fontRef>
         </p:style>
-      </p:cxnSp>
+        <p:txBody>
+          <a:bodyPr rtlCol="0" anchor="ctr"/>
+          <a:lstStyle/>
+          <a:p>
+            <a:pPr algn="ctr"/>
+            <a:endParaRPr lang="zh-TW" altLang="en-US"/>
+          </a:p>
+        </p:txBody>
+      </p:sp>
       <p:sp>
         <p:nvSpPr>
-          <p:cNvPr id="11" name="文字方塊 10">
+          <p:cNvPr id="6" name="文字方塊 5">
             <a:extLst>
               <a:ext uri="{FF2B5EF4-FFF2-40B4-BE49-F238E27FC236}">
-                <a16:creationId xmlns:a16="http://schemas.microsoft.com/office/drawing/2014/main" id="{A0DEBAEE-8280-4882-A7B7-3066400DB8D2}"/>
+                <a16:creationId xmlns:a16="http://schemas.microsoft.com/office/drawing/2014/main" id="{AE966AA8-A8DA-4FCB-B069-E7A103AA31B5}"/>
               </a:ext>
             </a:extLst>
           </p:cNvPr>
@@ -42992,8 +39618,8 @@
         </p:nvSpPr>
         <p:spPr>
           <a:xfrm>
-            <a:off x="9415461" y="1413495"/>
-            <a:ext cx="2031325" cy="1077218"/>
+            <a:off x="7743085" y="2421114"/>
+            <a:ext cx="4279916" cy="1477328"/>
           </a:xfrm>
           <a:prstGeom prst="rect">
             <a:avLst/>
@@ -43001,77 +39627,272 @@
           <a:noFill/>
         </p:spPr>
         <p:txBody>
-          <a:bodyPr wrap="none" rtlCol="0">
+          <a:bodyPr wrap="square" rtlCol="0">
             <a:spAutoFit/>
           </a:bodyPr>
           <a:lstStyle/>
           <a:p>
             <a:r>
-              <a:rPr lang="en-US" altLang="zh-TW" sz="3200" dirty="0">
+              <a:rPr lang="en-US" altLang="zh-TW" dirty="0" err="1">
                 <a:solidFill>
                   <a:srgbClr val="FF0000"/>
                 </a:solidFill>
-              </a:rPr>
-              <a:t>Cache miss</a:t>
+                <a:latin typeface="Arial" panose="020B0604020202020204" pitchFamily="34" charset="0"/>
+                <a:ea typeface="標楷體" panose="03000509000000000000" pitchFamily="65" charset="-120"/>
+                <a:cs typeface="Arial" panose="020B0604020202020204" pitchFamily="34" charset="0"/>
+              </a:rPr>
+              <a:t>Temp_sum</a:t>
+            </a:r>
+            <a:r>
+              <a:rPr lang="zh-TW" altLang="en-US" dirty="0">
+                <a:solidFill>
+                  <a:srgbClr val="FF0000"/>
+                </a:solidFill>
+                <a:latin typeface="Arial" panose="020B0604020202020204" pitchFamily="34" charset="0"/>
+                <a:ea typeface="標楷體" panose="03000509000000000000" pitchFamily="65" charset="-120"/>
+                <a:cs typeface="Arial" panose="020B0604020202020204" pitchFamily="34" charset="0"/>
+              </a:rPr>
+              <a:t>在每一次</a:t>
+            </a:r>
+            <a:r>
+              <a:rPr lang="en-US" altLang="zh-TW" dirty="0">
+                <a:solidFill>
+                  <a:srgbClr val="FF0000"/>
+                </a:solidFill>
+                <a:latin typeface="Arial" panose="020B0604020202020204" pitchFamily="34" charset="0"/>
+                <a:ea typeface="標楷體" panose="03000509000000000000" pitchFamily="65" charset="-120"/>
+                <a:cs typeface="Arial" panose="020B0604020202020204" pitchFamily="34" charset="0"/>
+              </a:rPr>
+              <a:t>k</a:t>
+            </a:r>
+            <a:r>
+              <a:rPr lang="zh-TW" altLang="en-US" dirty="0">
+                <a:solidFill>
+                  <a:srgbClr val="FF0000"/>
+                </a:solidFill>
+                <a:latin typeface="Arial" panose="020B0604020202020204" pitchFamily="34" charset="0"/>
+                <a:ea typeface="標楷體" panose="03000509000000000000" pitchFamily="65" charset="-120"/>
+                <a:cs typeface="Arial" panose="020B0604020202020204" pitchFamily="34" charset="0"/>
+              </a:rPr>
+              <a:t>變動的時候，都會與下一個</a:t>
+            </a:r>
+            <a:r>
+              <a:rPr lang="en-US" altLang="zh-TW" dirty="0">
+                <a:solidFill>
+                  <a:srgbClr val="FF0000"/>
+                </a:solidFill>
+                <a:latin typeface="Arial" panose="020B0604020202020204" pitchFamily="34" charset="0"/>
+                <a:ea typeface="標楷體" panose="03000509000000000000" pitchFamily="65" charset="-120"/>
+                <a:cs typeface="Arial" panose="020B0604020202020204" pitchFamily="34" charset="0"/>
+              </a:rPr>
+              <a:t>iteration</a:t>
+            </a:r>
+            <a:r>
+              <a:rPr lang="zh-TW" altLang="en-US" dirty="0">
+                <a:solidFill>
+                  <a:srgbClr val="FF0000"/>
+                </a:solidFill>
+                <a:latin typeface="Arial" panose="020B0604020202020204" pitchFamily="34" charset="0"/>
+                <a:ea typeface="標楷體" panose="03000509000000000000" pitchFamily="65" charset="-120"/>
+                <a:cs typeface="Arial" panose="020B0604020202020204" pitchFamily="34" charset="0"/>
+              </a:rPr>
+              <a:t>有</a:t>
+            </a:r>
+            <a:r>
+              <a:rPr lang="en-US" altLang="zh-TW" dirty="0">
+                <a:solidFill>
+                  <a:srgbClr val="FF0000"/>
+                </a:solidFill>
+                <a:latin typeface="Arial" panose="020B0604020202020204" pitchFamily="34" charset="0"/>
+                <a:ea typeface="標楷體" panose="03000509000000000000" pitchFamily="65" charset="-120"/>
+                <a:cs typeface="Arial" panose="020B0604020202020204" pitchFamily="34" charset="0"/>
+              </a:rPr>
+              <a:t>data dependency</a:t>
             </a:r>
           </a:p>
           <a:p>
             <a:r>
-              <a:rPr lang="en-US" altLang="zh-TW" sz="3200" dirty="0">
+              <a:rPr lang="zh-TW" altLang="en-US" dirty="0">
                 <a:solidFill>
                   <a:srgbClr val="FF0000"/>
                 </a:solidFill>
-              </a:rPr>
-              <a:t>Load 16 B</a:t>
-            </a:r>
-            <a:endParaRPr lang="zh-TW" altLang="en-US" sz="3200" dirty="0">
+                <a:latin typeface="Arial" panose="020B0604020202020204" pitchFamily="34" charset="0"/>
+                <a:ea typeface="標楷體" panose="03000509000000000000" pitchFamily="65" charset="-120"/>
+                <a:cs typeface="Arial" panose="020B0604020202020204" pitchFamily="34" charset="0"/>
+              </a:rPr>
+              <a:t>因此在這個</a:t>
+            </a:r>
+            <a:r>
+              <a:rPr lang="en-US" altLang="zh-TW" dirty="0">
+                <a:solidFill>
+                  <a:srgbClr val="FF0000"/>
+                </a:solidFill>
+                <a:latin typeface="Arial" panose="020B0604020202020204" pitchFamily="34" charset="0"/>
+                <a:ea typeface="標楷體" panose="03000509000000000000" pitchFamily="65" charset="-120"/>
+                <a:cs typeface="Arial" panose="020B0604020202020204" pitchFamily="34" charset="0"/>
+              </a:rPr>
+              <a:t>loop</a:t>
+            </a:r>
+            <a:r>
+              <a:rPr lang="zh-TW" altLang="en-US" dirty="0">
+                <a:solidFill>
+                  <a:srgbClr val="FF0000"/>
+                </a:solidFill>
+                <a:latin typeface="Arial" panose="020B0604020202020204" pitchFamily="34" charset="0"/>
+                <a:ea typeface="標楷體" panose="03000509000000000000" pitchFamily="65" charset="-120"/>
+                <a:cs typeface="Arial" panose="020B0604020202020204" pitchFamily="34" charset="0"/>
+              </a:rPr>
+              <a:t>內，如果</a:t>
+            </a:r>
+            <a:r>
+              <a:rPr lang="en-US" altLang="zh-TW" dirty="0">
+                <a:solidFill>
+                  <a:srgbClr val="FF0000"/>
+                </a:solidFill>
+                <a:latin typeface="Arial" panose="020B0604020202020204" pitchFamily="34" charset="0"/>
+                <a:ea typeface="標楷體" panose="03000509000000000000" pitchFamily="65" charset="-120"/>
+                <a:cs typeface="Arial" panose="020B0604020202020204" pitchFamily="34" charset="0"/>
+              </a:rPr>
+              <a:t>max size</a:t>
+            </a:r>
+            <a:r>
+              <a:rPr lang="zh-TW" altLang="en-US" dirty="0">
+                <a:solidFill>
+                  <a:srgbClr val="FF0000"/>
+                </a:solidFill>
+                <a:latin typeface="Arial" panose="020B0604020202020204" pitchFamily="34" charset="0"/>
+                <a:ea typeface="標楷體" panose="03000509000000000000" pitchFamily="65" charset="-120"/>
+                <a:cs typeface="Arial" panose="020B0604020202020204" pitchFamily="34" charset="0"/>
+              </a:rPr>
+              <a:t>為</a:t>
+            </a:r>
+            <a:r>
+              <a:rPr lang="en-US" altLang="zh-TW" dirty="0">
+                <a:solidFill>
+                  <a:srgbClr val="FF0000"/>
+                </a:solidFill>
+                <a:latin typeface="Arial" panose="020B0604020202020204" pitchFamily="34" charset="0"/>
+                <a:ea typeface="標楷體" panose="03000509000000000000" pitchFamily="65" charset="-120"/>
+                <a:cs typeface="Arial" panose="020B0604020202020204" pitchFamily="34" charset="0"/>
+              </a:rPr>
+              <a:t>64</a:t>
+            </a:r>
+            <a:r>
+              <a:rPr lang="zh-TW" altLang="en-US" dirty="0">
+                <a:solidFill>
+                  <a:srgbClr val="FF0000"/>
+                </a:solidFill>
+                <a:latin typeface="Arial" panose="020B0604020202020204" pitchFamily="34" charset="0"/>
+                <a:ea typeface="標楷體" panose="03000509000000000000" pitchFamily="65" charset="-120"/>
+                <a:cs typeface="Arial" panose="020B0604020202020204" pitchFamily="34" charset="0"/>
+              </a:rPr>
+              <a:t>，就需要</a:t>
+            </a:r>
+            <a:r>
+              <a:rPr lang="en-US" altLang="zh-TW" dirty="0">
+                <a:solidFill>
+                  <a:srgbClr val="FF0000"/>
+                </a:solidFill>
+                <a:latin typeface="Arial" panose="020B0604020202020204" pitchFamily="34" charset="0"/>
+                <a:ea typeface="標楷體" panose="03000509000000000000" pitchFamily="65" charset="-120"/>
+                <a:cs typeface="Arial" panose="020B0604020202020204" pitchFamily="34" charset="0"/>
+              </a:rPr>
+              <a:t>64</a:t>
+            </a:r>
+            <a:r>
+              <a:rPr lang="zh-TW" altLang="en-US" dirty="0">
+                <a:solidFill>
+                  <a:srgbClr val="FF0000"/>
+                </a:solidFill>
+                <a:latin typeface="Arial" panose="020B0604020202020204" pitchFamily="34" charset="0"/>
+                <a:ea typeface="標楷體" panose="03000509000000000000" pitchFamily="65" charset="-120"/>
+                <a:cs typeface="Arial" panose="020B0604020202020204" pitchFamily="34" charset="0"/>
+              </a:rPr>
+              <a:t>個</a:t>
+            </a:r>
+            <a:r>
+              <a:rPr lang="en-US" altLang="zh-TW" dirty="0">
+                <a:solidFill>
+                  <a:srgbClr val="FF0000"/>
+                </a:solidFill>
+                <a:latin typeface="Arial" panose="020B0604020202020204" pitchFamily="34" charset="0"/>
+                <a:ea typeface="標楷體" panose="03000509000000000000" pitchFamily="65" charset="-120"/>
+                <a:cs typeface="Arial" panose="020B0604020202020204" pitchFamily="34" charset="0"/>
+              </a:rPr>
+              <a:t>cycle</a:t>
+            </a:r>
+            <a:r>
+              <a:rPr lang="zh-TW" altLang="en-US" dirty="0">
+                <a:solidFill>
+                  <a:srgbClr val="FF0000"/>
+                </a:solidFill>
+                <a:latin typeface="Arial" panose="020B0604020202020204" pitchFamily="34" charset="0"/>
+                <a:ea typeface="標楷體" panose="03000509000000000000" pitchFamily="65" charset="-120"/>
+                <a:cs typeface="Arial" panose="020B0604020202020204" pitchFamily="34" charset="0"/>
+              </a:rPr>
+              <a:t>完成</a:t>
+            </a:r>
+            <a:endParaRPr lang="en-US" altLang="zh-TW" dirty="0">
               <a:solidFill>
                 <a:srgbClr val="FF0000"/>
               </a:solidFill>
+              <a:latin typeface="Arial" panose="020B0604020202020204" pitchFamily="34" charset="0"/>
+              <a:ea typeface="標楷體" panose="03000509000000000000" pitchFamily="65" charset="-120"/>
+              <a:cs typeface="Arial" panose="020B0604020202020204" pitchFamily="34" charset="0"/>
             </a:endParaRPr>
           </a:p>
-        </p:txBody>
-      </p:sp>
-      <p:sp>
-        <p:nvSpPr>
-          <p:cNvPr id="13" name="文字方塊 12">
-            <a:extLst>
-              <a:ext uri="{FF2B5EF4-FFF2-40B4-BE49-F238E27FC236}">
-                <a16:creationId xmlns:a16="http://schemas.microsoft.com/office/drawing/2014/main" id="{E55E2D78-DCCA-43A6-8CDB-FEBE5D9125E6}"/>
-              </a:ext>
-            </a:extLst>
-          </p:cNvPr>
-          <p:cNvSpPr txBox="1"/>
-          <p:nvPr/>
-        </p:nvSpPr>
-        <p:spPr>
-          <a:xfrm>
-            <a:off x="9415461" y="2380841"/>
-            <a:ext cx="2422458" cy="584775"/>
-          </a:xfrm>
-          <a:prstGeom prst="rect">
-            <a:avLst/>
-          </a:prstGeom>
-          <a:noFill/>
-        </p:spPr>
-        <p:txBody>
-          <a:bodyPr wrap="none" rtlCol="0">
-            <a:spAutoFit/>
-          </a:bodyPr>
-          <a:lstStyle/>
           <a:p>
             <a:r>
-              <a:rPr lang="en-US" altLang="zh-TW" sz="3200" dirty="0">
+              <a:rPr lang="zh-TW" altLang="en-US" dirty="0">
                 <a:solidFill>
                   <a:srgbClr val="FF0000"/>
                 </a:solidFill>
-              </a:rPr>
-              <a:t>II = 16*4 = 64</a:t>
-            </a:r>
-            <a:endParaRPr lang="zh-TW" altLang="en-US" sz="3200" dirty="0">
+                <a:latin typeface="Arial" panose="020B0604020202020204" pitchFamily="34" charset="0"/>
+                <a:ea typeface="標楷體" panose="03000509000000000000" pitchFamily="65" charset="-120"/>
+                <a:cs typeface="Arial" panose="020B0604020202020204" pitchFamily="34" charset="0"/>
+              </a:rPr>
+              <a:t>故對</a:t>
+            </a:r>
+            <a:r>
+              <a:rPr lang="en-US" altLang="zh-TW" dirty="0">
+                <a:solidFill>
+                  <a:srgbClr val="FF0000"/>
+                </a:solidFill>
+                <a:latin typeface="Arial" panose="020B0604020202020204" pitchFamily="34" charset="0"/>
+                <a:ea typeface="標楷體" panose="03000509000000000000" pitchFamily="65" charset="-120"/>
+                <a:cs typeface="Arial" panose="020B0604020202020204" pitchFamily="34" charset="0"/>
+              </a:rPr>
+              <a:t>loop2</a:t>
+            </a:r>
+            <a:r>
+              <a:rPr lang="zh-TW" altLang="en-US" dirty="0">
+                <a:solidFill>
+                  <a:srgbClr val="FF0000"/>
+                </a:solidFill>
+                <a:latin typeface="Arial" panose="020B0604020202020204" pitchFamily="34" charset="0"/>
+                <a:ea typeface="標楷體" panose="03000509000000000000" pitchFamily="65" charset="-120"/>
+                <a:cs typeface="Arial" panose="020B0604020202020204" pitchFamily="34" charset="0"/>
+              </a:rPr>
+              <a:t>來說，</a:t>
+            </a:r>
+            <a:r>
+              <a:rPr lang="en-US" altLang="zh-TW" dirty="0">
+                <a:solidFill>
+                  <a:srgbClr val="FF0000"/>
+                </a:solidFill>
+                <a:latin typeface="Arial" panose="020B0604020202020204" pitchFamily="34" charset="0"/>
+                <a:ea typeface="標楷體" panose="03000509000000000000" pitchFamily="65" charset="-120"/>
+                <a:cs typeface="Arial" panose="020B0604020202020204" pitchFamily="34" charset="0"/>
+              </a:rPr>
+              <a:t>II=64</a:t>
+            </a:r>
+            <a:endParaRPr lang="zh-TW" altLang="en-US" dirty="0">
               <a:solidFill>
                 <a:srgbClr val="FF0000"/>
               </a:solidFill>
+              <a:latin typeface="Arial" panose="020B0604020202020204" pitchFamily="34" charset="0"/>
+              <a:ea typeface="標楷體" panose="03000509000000000000" pitchFamily="65" charset="-120"/>
+              <a:cs typeface="Arial" panose="020B0604020202020204" pitchFamily="34" charset="0"/>
             </a:endParaRPr>
           </a:p>
         </p:txBody>
